--- a/1108Report/1108Report.pptx
+++ b/1108Report/1108Report.pptx
@@ -5,13 +5,16 @@
     <p:sldMasterId id="2147483648" r:id="rId1"/>
   </p:sldMasterIdLst>
   <p:handoutMasterIdLst>
-    <p:handoutMasterId r:id="rId6"/>
+    <p:handoutMasterId r:id="rId9"/>
   </p:handoutMasterIdLst>
   <p:sldIdLst>
     <p:sldId id="262" r:id="rId2"/>
     <p:sldId id="327" r:id="rId3"/>
     <p:sldId id="325" r:id="rId4"/>
     <p:sldId id="326" r:id="rId5"/>
+    <p:sldId id="328" r:id="rId6"/>
+    <p:sldId id="330" r:id="rId7"/>
+    <p:sldId id="329" r:id="rId8"/>
   </p:sldIdLst>
   <p:sldSz cx="12192000" cy="6858000"/>
   <p:notesSz cx="6858000" cy="9144000"/>
@@ -3716,18 +3719,32 @@
         </p:nvSpPr>
         <p:spPr/>
         <p:txBody>
-          <a:bodyPr/>
+          <a:bodyPr>
+            <a:normAutofit lnSpcReduction="10000"/>
+          </a:bodyPr>
           <a:lstStyle/>
           <a:p>
             <a:pPr algn="r"/>
             <a:r>
               <a:rPr lang="en-US" altLang="ko-KR" dirty="0"/>
-              <a:t>IPG – RL, IPG – MPC comparison</a:t>
+              <a:t>RWS LANECHANGE</a:t>
             </a:r>
           </a:p>
           <a:p>
             <a:pPr algn="r"/>
             <a:endParaRPr lang="en-US" altLang="ko-KR" dirty="0"/>
+          </a:p>
+          <a:p>
+            <a:pPr algn="r"/>
+            <a:endParaRPr lang="en-US" altLang="ko-KR" dirty="0"/>
+          </a:p>
+          <a:p>
+            <a:pPr algn="r"/>
+            <a:r>
+              <a:rPr lang="en-US" altLang="ko-KR" sz="1900" dirty="0"/>
+              <a:t>env5_low</a:t>
+            </a:r>
+            <a:endParaRPr lang="ko-KR" altLang="en-US" dirty="0"/>
           </a:p>
         </p:txBody>
       </p:sp>
@@ -3792,7 +3809,7 @@
             </a:r>
             <a:r>
               <a:rPr lang="en-US" altLang="ko-KR" dirty="0"/>
-              <a:t>CHANGE</a:t>
+              <a:t>CHANGE - RWS</a:t>
             </a:r>
             <a:endParaRPr lang="ko-KR" altLang="en-US" dirty="0"/>
           </a:p>
@@ -3821,9 +3838,115 @@
           <a:p>
             <a:r>
               <a:rPr lang="en-US" altLang="ko-KR" dirty="0"/>
-              <a:t>env5_low</a:t>
-            </a:r>
-            <a:endParaRPr lang="ko-KR" altLang="en-US" dirty="0"/>
+              <a:t>CarMaker Settings</a:t>
+            </a:r>
+          </a:p>
+          <a:p>
+            <a:pPr lvl="1"/>
+            <a:r>
+              <a:rPr lang="en-US" altLang="ko-KR" dirty="0"/>
+              <a:t>Initial Car velocity: 50 kph</a:t>
+            </a:r>
+          </a:p>
+          <a:p>
+            <a:pPr lvl="1"/>
+            <a:r>
+              <a:rPr lang="en-US" altLang="ko-KR" dirty="0"/>
+              <a:t>0 m ~ 52 m</a:t>
+            </a:r>
+          </a:p>
+          <a:p>
+            <a:pPr lvl="2"/>
+            <a:r>
+              <a:rPr lang="en-US" altLang="ko-KR" dirty="0"/>
+              <a:t>Longitudinal Dynamics: Speed Control 50kph, 0, 1.0</a:t>
+            </a:r>
+          </a:p>
+          <a:p>
+            <a:pPr lvl="2"/>
+            <a:r>
+              <a:rPr lang="en-US" altLang="ko-KR" dirty="0"/>
+              <a:t>Lateral Dynamics: X (Not specified)</a:t>
+            </a:r>
+          </a:p>
+          <a:p>
+            <a:pPr lvl="1"/>
+            <a:r>
+              <a:rPr lang="en-US" altLang="ko-KR" dirty="0"/>
+              <a:t>52m ~</a:t>
+            </a:r>
+          </a:p>
+          <a:p>
+            <a:pPr lvl="2"/>
+            <a:r>
+              <a:rPr lang="en-US" altLang="ko-KR" dirty="0"/>
+              <a:t>Longitudinal Dynamics: Manual GBCP 0/0/0.2</a:t>
+            </a:r>
+          </a:p>
+          <a:p>
+            <a:pPr lvl="2"/>
+            <a:r>
+              <a:rPr lang="en-US" altLang="ko-KR" dirty="0"/>
+              <a:t>Lateral Dynamics: X (Not specified)</a:t>
+            </a:r>
+          </a:p>
+          <a:p>
+            <a:endParaRPr lang="en-US" altLang="ko-KR" dirty="0"/>
+          </a:p>
+          <a:p>
+            <a:endParaRPr lang="en-US" altLang="ko-KR" dirty="0"/>
+          </a:p>
+          <a:p>
+            <a:endParaRPr lang="en-US" altLang="ko-KR" dirty="0"/>
+          </a:p>
+          <a:p>
+            <a:r>
+              <a:rPr lang="ko-KR" altLang="en-US" dirty="0"/>
+              <a:t>성능지표는 </a:t>
+            </a:r>
+            <a:r>
+              <a:rPr lang="en-US" altLang="ko-KR" dirty="0"/>
+              <a:t>IPG &gt; RL</a:t>
+            </a:r>
+          </a:p>
+          <a:p>
+            <a:r>
+              <a:rPr lang="ko-KR" altLang="en-US" dirty="0"/>
+              <a:t>충돌횟수</a:t>
+            </a:r>
+            <a:r>
+              <a:rPr lang="en-US" altLang="ko-KR" dirty="0"/>
+              <a:t>: IPG 3</a:t>
+            </a:r>
+            <a:r>
+              <a:rPr lang="ko-KR" altLang="en-US" dirty="0"/>
+              <a:t>회 </a:t>
+            </a:r>
+            <a:r>
+              <a:rPr lang="en-US" altLang="ko-KR" dirty="0"/>
+              <a:t>/</a:t>
+            </a:r>
+            <a:r>
+              <a:rPr lang="ko-KR" altLang="en-US" dirty="0"/>
+              <a:t> </a:t>
+            </a:r>
+            <a:r>
+              <a:rPr lang="en-US" altLang="ko-KR" dirty="0"/>
+              <a:t>RL</a:t>
+            </a:r>
+            <a:r>
+              <a:rPr lang="ko-KR" altLang="en-US" dirty="0"/>
+              <a:t> </a:t>
+            </a:r>
+            <a:r>
+              <a:rPr lang="en-US" altLang="ko-KR" dirty="0"/>
+              <a:t>0</a:t>
+            </a:r>
+            <a:r>
+              <a:rPr lang="ko-KR" altLang="en-US" dirty="0"/>
+              <a:t>회</a:t>
+            </a:r>
+            <a:endParaRPr lang="en-US" altLang="ko-KR" dirty="0"/>
           </a:p>
         </p:txBody>
       </p:sp>
@@ -3848,7 +3971,7 @@
         </p:blipFill>
         <p:spPr>
           <a:xfrm>
-            <a:off x="838200" y="3027480"/>
+            <a:off x="838200" y="4066571"/>
             <a:ext cx="10515600" cy="803039"/>
           </a:xfrm>
           <a:prstGeom prst="rect">
@@ -4036,6 +4159,1218 @@
     <p:extLst>
       <p:ext uri="{BB962C8B-B14F-4D97-AF65-F5344CB8AC3E}">
         <p14:creationId xmlns:p14="http://schemas.microsoft.com/office/powerpoint/2010/main" val="1166863317"/>
+      </p:ext>
+    </p:extLst>
+  </p:cSld>
+  <p:clrMapOvr>
+    <a:masterClrMapping/>
+  </p:clrMapOvr>
+</p:sld>
+</file>
+
+<file path=ppt/slides/slide5.xml><?xml version="1.0" encoding="utf-8"?>
+<p:sld xmlns:a="http://schemas.openxmlformats.org/drawingml/2006/main" xmlns:r="http://schemas.openxmlformats.org/officeDocument/2006/relationships" xmlns:p="http://schemas.openxmlformats.org/presentationml/2006/main">
+  <p:cSld>
+    <p:spTree>
+      <p:nvGrpSpPr>
+        <p:cNvPr id="1" name=""/>
+        <p:cNvGrpSpPr/>
+        <p:nvPr/>
+      </p:nvGrpSpPr>
+      <p:grpSpPr>
+        <a:xfrm>
+          <a:off x="0" y="0"/>
+          <a:ext cx="0" cy="0"/>
+          <a:chOff x="0" y="0"/>
+          <a:chExt cx="0" cy="0"/>
+        </a:xfrm>
+      </p:grpSpPr>
+      <p:sp>
+        <p:nvSpPr>
+          <p:cNvPr id="2" name="제목 1">
+            <a:extLst>
+              <a:ext uri="{FF2B5EF4-FFF2-40B4-BE49-F238E27FC236}">
+                <a16:creationId xmlns:a16="http://schemas.microsoft.com/office/drawing/2014/main" id="{5120634C-CE2A-EC35-EF1D-911BB178EC0B}"/>
+              </a:ext>
+            </a:extLst>
+          </p:cNvPr>
+          <p:cNvSpPr>
+            <a:spLocks noGrp="1"/>
+          </p:cNvSpPr>
+          <p:nvPr>
+            <p:ph type="title"/>
+          </p:nvPr>
+        </p:nvSpPr>
+        <p:spPr/>
+        <p:txBody>
+          <a:bodyPr/>
+          <a:lstStyle/>
+          <a:p>
+            <a:r>
+              <a:rPr lang="ko-KR" altLang="en-US" dirty="0"/>
+              <a:t>학습 결과</a:t>
+            </a:r>
+          </a:p>
+        </p:txBody>
+      </p:sp>
+      <p:pic>
+        <p:nvPicPr>
+          <p:cNvPr id="5" name="내용 개체 틀 4">
+            <a:extLst>
+              <a:ext uri="{FF2B5EF4-FFF2-40B4-BE49-F238E27FC236}">
+                <a16:creationId xmlns:a16="http://schemas.microsoft.com/office/drawing/2014/main" id="{E0BF0996-C8BF-7A94-7A35-D1B4A1C5688B}"/>
+              </a:ext>
+            </a:extLst>
+          </p:cNvPr>
+          <p:cNvPicPr>
+            <a:picLocks noGrp="1" noChangeAspect="1"/>
+          </p:cNvPicPr>
+          <p:nvPr>
+            <p:ph idx="1"/>
+          </p:nvPr>
+        </p:nvPicPr>
+        <p:blipFill>
+          <a:blip r:embed="rId2"/>
+          <a:stretch>
+            <a:fillRect/>
+          </a:stretch>
+        </p:blipFill>
+        <p:spPr>
+          <a:xfrm>
+            <a:off x="2516703" y="1878609"/>
+            <a:ext cx="6478856" cy="2281146"/>
+          </a:xfrm>
+          <a:ln>
+            <a:solidFill>
+              <a:schemeClr val="tx1"/>
+            </a:solidFill>
+          </a:ln>
+        </p:spPr>
+      </p:pic>
+      <p:pic>
+        <p:nvPicPr>
+          <p:cNvPr id="7" name="그림 6">
+            <a:extLst>
+              <a:ext uri="{FF2B5EF4-FFF2-40B4-BE49-F238E27FC236}">
+                <a16:creationId xmlns:a16="http://schemas.microsoft.com/office/drawing/2014/main" id="{92DD0B7B-FA0A-88C5-8BA8-4BB3517C250C}"/>
+              </a:ext>
+            </a:extLst>
+          </p:cNvPr>
+          <p:cNvPicPr>
+            <a:picLocks noChangeAspect="1"/>
+          </p:cNvPicPr>
+          <p:nvPr/>
+        </p:nvPicPr>
+        <p:blipFill>
+          <a:blip r:embed="rId3"/>
+          <a:stretch>
+            <a:fillRect/>
+          </a:stretch>
+        </p:blipFill>
+        <p:spPr>
+          <a:xfrm>
+            <a:off x="2516704" y="4347676"/>
+            <a:ext cx="6478856" cy="2318853"/>
+          </a:xfrm>
+          <a:prstGeom prst="rect">
+            <a:avLst/>
+          </a:prstGeom>
+          <a:ln>
+            <a:solidFill>
+              <a:schemeClr val="tx1"/>
+            </a:solidFill>
+          </a:ln>
+        </p:spPr>
+      </p:pic>
+    </p:spTree>
+    <p:extLst>
+      <p:ext uri="{BB962C8B-B14F-4D97-AF65-F5344CB8AC3E}">
+        <p14:creationId xmlns:p14="http://schemas.microsoft.com/office/powerpoint/2010/main" val="2112714305"/>
+      </p:ext>
+    </p:extLst>
+  </p:cSld>
+  <p:clrMapOvr>
+    <a:masterClrMapping/>
+  </p:clrMapOvr>
+</p:sld>
+</file>
+
+<file path=ppt/slides/slide6.xml><?xml version="1.0" encoding="utf-8"?>
+<p:sld xmlns:a="http://schemas.openxmlformats.org/drawingml/2006/main" xmlns:r="http://schemas.openxmlformats.org/officeDocument/2006/relationships" xmlns:p="http://schemas.openxmlformats.org/presentationml/2006/main">
+  <p:cSld>
+    <p:spTree>
+      <p:nvGrpSpPr>
+        <p:cNvPr id="1" name=""/>
+        <p:cNvGrpSpPr/>
+        <p:nvPr/>
+      </p:nvGrpSpPr>
+      <p:grpSpPr>
+        <a:xfrm>
+          <a:off x="0" y="0"/>
+          <a:ext cx="0" cy="0"/>
+          <a:chOff x="0" y="0"/>
+          <a:chExt cx="0" cy="0"/>
+        </a:xfrm>
+      </p:grpSpPr>
+      <p:sp>
+        <p:nvSpPr>
+          <p:cNvPr id="2" name="제목 1">
+            <a:extLst>
+              <a:ext uri="{FF2B5EF4-FFF2-40B4-BE49-F238E27FC236}">
+                <a16:creationId xmlns:a16="http://schemas.microsoft.com/office/drawing/2014/main" id="{F8A4406E-D7E0-6D54-BC64-B623A6B8ADA5}"/>
+              </a:ext>
+            </a:extLst>
+          </p:cNvPr>
+          <p:cNvSpPr>
+            <a:spLocks noGrp="1"/>
+          </p:cNvSpPr>
+          <p:nvPr>
+            <p:ph type="title"/>
+          </p:nvPr>
+        </p:nvSpPr>
+        <p:spPr/>
+        <p:txBody>
+          <a:bodyPr/>
+          <a:lstStyle/>
+          <a:p>
+            <a:endParaRPr lang="ko-KR" altLang="en-US" dirty="0"/>
+          </a:p>
+        </p:txBody>
+      </p:sp>
+      <p:sp>
+        <p:nvSpPr>
+          <p:cNvPr id="3" name="내용 개체 틀 2">
+            <a:extLst>
+              <a:ext uri="{FF2B5EF4-FFF2-40B4-BE49-F238E27FC236}">
+                <a16:creationId xmlns:a16="http://schemas.microsoft.com/office/drawing/2014/main" id="{B85535CF-5AD4-B624-C21D-613278751642}"/>
+              </a:ext>
+            </a:extLst>
+          </p:cNvPr>
+          <p:cNvSpPr>
+            <a:spLocks noGrp="1"/>
+          </p:cNvSpPr>
+          <p:nvPr>
+            <p:ph idx="1"/>
+          </p:nvPr>
+        </p:nvSpPr>
+        <p:spPr/>
+        <p:txBody>
+          <a:bodyPr/>
+          <a:lstStyle/>
+          <a:p>
+            <a:r>
+              <a:rPr lang="en-US" altLang="ko-KR" dirty="0"/>
+              <a:t>State</a:t>
+            </a:r>
+          </a:p>
+          <a:p>
+            <a:pPr lvl="1"/>
+            <a:r>
+              <a:rPr lang="ko-KR" altLang="en-US" dirty="0"/>
+              <a:t>차량 동역학 정보</a:t>
+            </a:r>
+            <a:r>
+              <a:rPr lang="en-US" altLang="ko-KR" dirty="0"/>
+              <a:t>: </a:t>
+            </a:r>
+          </a:p>
+          <a:p>
+            <a:pPr lvl="1"/>
+            <a:endParaRPr lang="en-US" altLang="ko-KR" dirty="0"/>
+          </a:p>
+          <a:p>
+            <a:pPr lvl="1"/>
+            <a:endParaRPr lang="en-US" altLang="ko-KR" dirty="0"/>
+          </a:p>
+          <a:p>
+            <a:r>
+              <a:rPr lang="en-US" altLang="ko-KR" dirty="0"/>
+              <a:t>Reward:</a:t>
+            </a:r>
+          </a:p>
+          <a:p>
+            <a:pPr lvl="1"/>
+            <a:r>
+              <a:rPr lang="en-US" altLang="ko-KR" dirty="0" err="1"/>
+              <a:t>devDist</a:t>
+            </a:r>
+            <a:r>
+              <a:rPr lang="en-US" altLang="ko-KR" dirty="0"/>
+              <a:t> X 100</a:t>
+            </a:r>
+          </a:p>
+          <a:p>
+            <a:pPr lvl="1"/>
+            <a:r>
+              <a:rPr lang="en-US" altLang="ko-KR" dirty="0" err="1"/>
+              <a:t>devAng</a:t>
+            </a:r>
+            <a:r>
+              <a:rPr lang="en-US" altLang="ko-KR" dirty="0"/>
+              <a:t> X 500</a:t>
+            </a:r>
+          </a:p>
+          <a:p>
+            <a:pPr lvl="1"/>
+            <a:r>
+              <a:rPr lang="en-US" altLang="ko-KR" dirty="0"/>
+              <a:t>Collision X 1000</a:t>
+            </a:r>
+            <a:endParaRPr lang="ko-KR" altLang="en-US" dirty="0"/>
+          </a:p>
+        </p:txBody>
+      </p:sp>
+    </p:spTree>
+    <p:extLst>
+      <p:ext uri="{BB962C8B-B14F-4D97-AF65-F5344CB8AC3E}">
+        <p14:creationId xmlns:p14="http://schemas.microsoft.com/office/powerpoint/2010/main" val="3685773480"/>
+      </p:ext>
+    </p:extLst>
+  </p:cSld>
+  <p:clrMapOvr>
+    <a:masterClrMapping/>
+  </p:clrMapOvr>
+</p:sld>
+</file>
+
+<file path=ppt/slides/slide7.xml><?xml version="1.0" encoding="utf-8"?>
+<p:sld xmlns:a="http://schemas.openxmlformats.org/drawingml/2006/main" xmlns:r="http://schemas.openxmlformats.org/officeDocument/2006/relationships" xmlns:p="http://schemas.openxmlformats.org/presentationml/2006/main">
+  <p:cSld>
+    <p:spTree>
+      <p:nvGrpSpPr>
+        <p:cNvPr id="1" name=""/>
+        <p:cNvGrpSpPr/>
+        <p:nvPr/>
+      </p:nvGrpSpPr>
+      <p:grpSpPr>
+        <a:xfrm>
+          <a:off x="0" y="0"/>
+          <a:ext cx="0" cy="0"/>
+          <a:chOff x="0" y="0"/>
+          <a:chExt cx="0" cy="0"/>
+        </a:xfrm>
+      </p:grpSpPr>
+      <p:sp>
+        <p:nvSpPr>
+          <p:cNvPr id="2" name="제목 1">
+            <a:extLst>
+              <a:ext uri="{FF2B5EF4-FFF2-40B4-BE49-F238E27FC236}">
+                <a16:creationId xmlns:a16="http://schemas.microsoft.com/office/drawing/2014/main" id="{1B35A89F-50D5-DE80-28A9-0CEAB422FED3}"/>
+              </a:ext>
+            </a:extLst>
+          </p:cNvPr>
+          <p:cNvSpPr>
+            <a:spLocks noGrp="1"/>
+          </p:cNvSpPr>
+          <p:nvPr>
+            <p:ph type="title"/>
+          </p:nvPr>
+        </p:nvSpPr>
+        <p:spPr/>
+        <p:txBody>
+          <a:bodyPr/>
+          <a:lstStyle/>
+          <a:p>
+            <a:r>
+              <a:rPr lang="en-US" altLang="ko-KR" dirty="0"/>
+              <a:t>RWS</a:t>
+            </a:r>
+            <a:r>
+              <a:rPr lang="ko-KR" altLang="en-US" dirty="0"/>
+              <a:t>의 특징</a:t>
+            </a:r>
+          </a:p>
+        </p:txBody>
+      </p:sp>
+      <p:sp>
+        <p:nvSpPr>
+          <p:cNvPr id="3" name="내용 개체 틀 2">
+            <a:extLst>
+              <a:ext uri="{FF2B5EF4-FFF2-40B4-BE49-F238E27FC236}">
+                <a16:creationId xmlns:a16="http://schemas.microsoft.com/office/drawing/2014/main" id="{C0E54019-884D-3D2A-234D-29C0993309D8}"/>
+              </a:ext>
+            </a:extLst>
+          </p:cNvPr>
+          <p:cNvSpPr>
+            <a:spLocks noGrp="1"/>
+          </p:cNvSpPr>
+          <p:nvPr>
+            <p:ph idx="1"/>
+          </p:nvPr>
+        </p:nvSpPr>
+        <p:spPr/>
+        <p:txBody>
+          <a:bodyPr/>
+          <a:lstStyle/>
+          <a:p>
+            <a:r>
+              <a:rPr lang="en-US" altLang="ko-KR" dirty="0"/>
+              <a:t>1) RL</a:t>
+            </a:r>
+            <a:r>
+              <a:rPr lang="ko-KR" altLang="en-US" dirty="0"/>
+              <a:t> </a:t>
+            </a:r>
+            <a:r>
+              <a:rPr lang="en-US" altLang="ko-KR" dirty="0"/>
+              <a:t>–</a:t>
+            </a:r>
+            <a:r>
+              <a:rPr lang="ko-KR" altLang="en-US" dirty="0"/>
+              <a:t> </a:t>
+            </a:r>
+            <a:r>
+              <a:rPr lang="en-US" altLang="ko-KR" dirty="0"/>
+              <a:t>RWS X:</a:t>
+            </a:r>
+            <a:r>
+              <a:rPr lang="ko-KR" altLang="en-US" dirty="0"/>
+              <a:t> 콘 충돌</a:t>
+            </a:r>
+            <a:r>
+              <a:rPr lang="en-US" altLang="ko-KR" dirty="0"/>
+              <a:t> 1</a:t>
+            </a:r>
+            <a:r>
+              <a:rPr lang="ko-KR" altLang="en-US" dirty="0"/>
+              <a:t>회</a:t>
+            </a:r>
+            <a:endParaRPr lang="en-US" altLang="ko-KR" dirty="0"/>
+          </a:p>
+          <a:p>
+            <a:r>
+              <a:rPr lang="en-US" altLang="ko-KR" dirty="0"/>
+              <a:t>2) RL – RWS O: </a:t>
+            </a:r>
+            <a:r>
+              <a:rPr lang="ko-KR" altLang="en-US" dirty="0"/>
+              <a:t>콘 충돌 </a:t>
+            </a:r>
+            <a:r>
+              <a:rPr lang="en-US" altLang="ko-KR" dirty="0"/>
+              <a:t>0</a:t>
+            </a:r>
+            <a:r>
+              <a:rPr lang="ko-KR" altLang="en-US" dirty="0"/>
+              <a:t>회</a:t>
+            </a:r>
+            <a:endParaRPr lang="en-US" altLang="ko-KR" dirty="0"/>
+          </a:p>
+          <a:p>
+            <a:r>
+              <a:rPr lang="en-US" altLang="ko-KR" dirty="0"/>
+              <a:t>3) IPG – RWS X: </a:t>
+            </a:r>
+            <a:r>
+              <a:rPr lang="ko-KR" altLang="en-US" dirty="0"/>
+              <a:t>콘 충돌 </a:t>
+            </a:r>
+            <a:r>
+              <a:rPr lang="en-US" altLang="ko-KR" dirty="0"/>
+              <a:t>3</a:t>
+            </a:r>
+            <a:r>
+              <a:rPr lang="ko-KR" altLang="en-US" dirty="0"/>
+              <a:t>회</a:t>
+            </a:r>
+            <a:endParaRPr lang="en-US" altLang="ko-KR" dirty="0"/>
+          </a:p>
+          <a:p>
+            <a:r>
+              <a:rPr lang="en-US" altLang="ko-KR" dirty="0"/>
+              <a:t>4) IPG – RWS O: </a:t>
+            </a:r>
+            <a:r>
+              <a:rPr lang="ko-KR" altLang="en-US" dirty="0"/>
+              <a:t>콘 충돌 </a:t>
+            </a:r>
+            <a:r>
+              <a:rPr lang="en-US" altLang="ko-KR" dirty="0"/>
+              <a:t>3</a:t>
+            </a:r>
+            <a:r>
+              <a:rPr lang="ko-KR" altLang="en-US" dirty="0"/>
+              <a:t>회</a:t>
+            </a:r>
+            <a:endParaRPr lang="en-US" altLang="ko-KR" dirty="0"/>
+          </a:p>
+          <a:p>
+            <a:endParaRPr lang="en-US" altLang="ko-KR" dirty="0"/>
+          </a:p>
+          <a:p>
+            <a:endParaRPr lang="en-US" altLang="ko-KR" dirty="0"/>
+          </a:p>
+          <a:p>
+            <a:pPr marL="0" indent="0">
+              <a:buNone/>
+            </a:pPr>
+            <a:r>
+              <a:rPr lang="en-US" altLang="ko-KR" dirty="0"/>
+              <a:t>RWS</a:t>
+            </a:r>
+            <a:r>
+              <a:rPr lang="ko-KR" altLang="en-US" dirty="0"/>
+              <a:t>가 없는 차량의 경우 폭이 </a:t>
+            </a:r>
+            <a:r>
+              <a:rPr lang="en-US" altLang="ko-KR" dirty="0"/>
+              <a:t>1.568 m</a:t>
+            </a:r>
+          </a:p>
+          <a:p>
+            <a:pPr marL="0" indent="0">
+              <a:buNone/>
+            </a:pPr>
+            <a:r>
+              <a:rPr lang="en-US" altLang="ko-KR" dirty="0"/>
+              <a:t>RWS</a:t>
+            </a:r>
+            <a:r>
+              <a:rPr lang="ko-KR" altLang="en-US" dirty="0"/>
+              <a:t>가 있는 차량의 경우 폭이 </a:t>
+            </a:r>
+            <a:r>
+              <a:rPr lang="en-US" altLang="ko-KR" dirty="0"/>
+              <a:t>1.8 m</a:t>
+            </a:r>
+          </a:p>
+          <a:p>
+            <a:pPr marL="0" indent="0">
+              <a:buNone/>
+            </a:pPr>
+            <a:r>
+              <a:rPr lang="en-US" altLang="ko-KR" dirty="0"/>
+              <a:t> -&gt; </a:t>
+            </a:r>
+            <a:r>
+              <a:rPr lang="ko-KR" altLang="en-US" dirty="0"/>
+              <a:t>그러나</a:t>
+            </a:r>
+            <a:r>
+              <a:rPr lang="en-US" altLang="ko-KR" dirty="0"/>
+              <a:t> RWS</a:t>
+            </a:r>
+            <a:r>
+              <a:rPr lang="ko-KR" altLang="en-US" dirty="0"/>
+              <a:t>는 콘 충돌이 일어나지 않음</a:t>
+            </a:r>
+          </a:p>
+        </p:txBody>
+      </p:sp>
+      <p:graphicFrame>
+        <p:nvGraphicFramePr>
+          <p:cNvPr id="4" name="표 3">
+            <a:extLst>
+              <a:ext uri="{FF2B5EF4-FFF2-40B4-BE49-F238E27FC236}">
+                <a16:creationId xmlns:a16="http://schemas.microsoft.com/office/drawing/2014/main" id="{821E678C-049E-556B-311D-68536D33421C}"/>
+              </a:ext>
+            </a:extLst>
+          </p:cNvPr>
+          <p:cNvGraphicFramePr>
+            <a:graphicFrameLocks noGrp="1"/>
+          </p:cNvGraphicFramePr>
+          <p:nvPr>
+            <p:extLst>
+              <p:ext uri="{D42A27DB-BD31-4B8C-83A1-F6EECF244321}">
+                <p14:modId xmlns:p14="http://schemas.microsoft.com/office/powerpoint/2010/main" val="3890149882"/>
+              </p:ext>
+            </p:extLst>
+          </p:nvPr>
+        </p:nvGraphicFramePr>
+        <p:xfrm>
+          <a:off x="5403273" y="1876302"/>
+          <a:ext cx="5219862" cy="1380924"/>
+        </p:xfrm>
+        <a:graphic>
+          <a:graphicData uri="http://schemas.openxmlformats.org/drawingml/2006/table">
+            <a:tbl>
+              <a:tblPr firstRow="1" bandRow="1">
+                <a:tableStyleId>{5C22544A-7EE6-4342-B048-85BDC9FD1C3A}</a:tableStyleId>
+              </a:tblPr>
+              <a:tblGrid>
+                <a:gridCol w="1739954">
+                  <a:extLst>
+                    <a:ext uri="{9D8B030D-6E8A-4147-A177-3AD203B41FA5}">
+                      <a16:colId xmlns:a16="http://schemas.microsoft.com/office/drawing/2014/main" val="1205978018"/>
+                    </a:ext>
+                  </a:extLst>
+                </a:gridCol>
+                <a:gridCol w="1739954">
+                  <a:extLst>
+                    <a:ext uri="{9D8B030D-6E8A-4147-A177-3AD203B41FA5}">
+                      <a16:colId xmlns:a16="http://schemas.microsoft.com/office/drawing/2014/main" val="512766211"/>
+                    </a:ext>
+                  </a:extLst>
+                </a:gridCol>
+                <a:gridCol w="1739954">
+                  <a:extLst>
+                    <a:ext uri="{9D8B030D-6E8A-4147-A177-3AD203B41FA5}">
+                      <a16:colId xmlns:a16="http://schemas.microsoft.com/office/drawing/2014/main" val="2407440176"/>
+                    </a:ext>
+                  </a:extLst>
+                </a:gridCol>
+              </a:tblGrid>
+              <a:tr h="460308">
+                <a:tc>
+                  <a:txBody>
+                    <a:bodyPr/>
+                    <a:lstStyle/>
+                    <a:p>
+                      <a:pPr algn="ctr" latinLnBrk="1"/>
+                      <a:r>
+                        <a:rPr lang="ko-KR" altLang="en-US" dirty="0">
+                          <a:solidFill>
+                            <a:schemeClr val="tx1"/>
+                          </a:solidFill>
+                          <a:latin typeface="KoPubDotum Light" panose="00000300000000000000" pitchFamily="2" charset="-127"/>
+                          <a:ea typeface="KoPubDotum Light" panose="00000300000000000000" pitchFamily="2" charset="-127"/>
+                        </a:rPr>
+                        <a:t>콘 충돌 횟수</a:t>
+                      </a:r>
+                    </a:p>
+                  </a:txBody>
+                  <a:tcPr anchor="ctr">
+                    <a:lnL w="12700" cap="flat" cmpd="sng" algn="ctr">
+                      <a:solidFill>
+                        <a:schemeClr val="tx1"/>
+                      </a:solidFill>
+                      <a:prstDash val="solid"/>
+                      <a:round/>
+                      <a:headEnd type="none" w="med" len="med"/>
+                      <a:tailEnd type="none" w="med" len="med"/>
+                    </a:lnL>
+                    <a:lnR w="12700" cap="flat" cmpd="sng" algn="ctr">
+                      <a:solidFill>
+                        <a:schemeClr val="tx1"/>
+                      </a:solidFill>
+                      <a:prstDash val="solid"/>
+                      <a:round/>
+                      <a:headEnd type="none" w="med" len="med"/>
+                      <a:tailEnd type="none" w="med" len="med"/>
+                    </a:lnR>
+                    <a:lnT w="12700" cap="flat" cmpd="sng" algn="ctr">
+                      <a:solidFill>
+                        <a:schemeClr val="tx1"/>
+                      </a:solidFill>
+                      <a:prstDash val="solid"/>
+                      <a:round/>
+                      <a:headEnd type="none" w="med" len="med"/>
+                      <a:tailEnd type="none" w="med" len="med"/>
+                    </a:lnT>
+                    <a:lnB w="12700" cap="flat" cmpd="sng" algn="ctr">
+                      <a:solidFill>
+                        <a:schemeClr val="tx1"/>
+                      </a:solidFill>
+                      <a:prstDash val="solid"/>
+                      <a:round/>
+                      <a:headEnd type="none" w="med" len="med"/>
+                      <a:tailEnd type="none" w="med" len="med"/>
+                    </a:lnB>
+                    <a:lnTlToBr w="12700" cmpd="sng">
+                      <a:noFill/>
+                      <a:prstDash val="solid"/>
+                    </a:lnTlToBr>
+                    <a:lnBlToTr w="12700" cmpd="sng">
+                      <a:noFill/>
+                      <a:prstDash val="solid"/>
+                    </a:lnBlToTr>
+                    <a:solidFill>
+                      <a:schemeClr val="bg1"/>
+                    </a:solidFill>
+                  </a:tcPr>
+                </a:tc>
+                <a:tc>
+                  <a:txBody>
+                    <a:bodyPr/>
+                    <a:lstStyle/>
+                    <a:p>
+                      <a:pPr algn="ctr" latinLnBrk="1"/>
+                      <a:r>
+                        <a:rPr lang="en-US" altLang="ko-KR" dirty="0">
+                          <a:solidFill>
+                            <a:schemeClr val="tx1"/>
+                          </a:solidFill>
+                          <a:latin typeface="KoPubDotum Light" panose="00000300000000000000" pitchFamily="2" charset="-127"/>
+                          <a:ea typeface="KoPubDotum Light" panose="00000300000000000000" pitchFamily="2" charset="-127"/>
+                        </a:rPr>
+                        <a:t>RWS O</a:t>
+                      </a:r>
+                      <a:endParaRPr lang="ko-KR" altLang="en-US" dirty="0">
+                        <a:solidFill>
+                          <a:schemeClr val="tx1"/>
+                        </a:solidFill>
+                        <a:latin typeface="KoPubDotum Light" panose="00000300000000000000" pitchFamily="2" charset="-127"/>
+                        <a:ea typeface="KoPubDotum Light" panose="00000300000000000000" pitchFamily="2" charset="-127"/>
+                      </a:endParaRPr>
+                    </a:p>
+                  </a:txBody>
+                  <a:tcPr anchor="ctr">
+                    <a:lnL w="12700" cap="flat" cmpd="sng" algn="ctr">
+                      <a:solidFill>
+                        <a:schemeClr val="tx1"/>
+                      </a:solidFill>
+                      <a:prstDash val="solid"/>
+                      <a:round/>
+                      <a:headEnd type="none" w="med" len="med"/>
+                      <a:tailEnd type="none" w="med" len="med"/>
+                    </a:lnL>
+                    <a:lnR w="12700" cap="flat" cmpd="sng" algn="ctr">
+                      <a:solidFill>
+                        <a:schemeClr val="tx1"/>
+                      </a:solidFill>
+                      <a:prstDash val="solid"/>
+                      <a:round/>
+                      <a:headEnd type="none" w="med" len="med"/>
+                      <a:tailEnd type="none" w="med" len="med"/>
+                    </a:lnR>
+                    <a:lnT w="12700" cap="flat" cmpd="sng" algn="ctr">
+                      <a:solidFill>
+                        <a:schemeClr val="tx1"/>
+                      </a:solidFill>
+                      <a:prstDash val="solid"/>
+                      <a:round/>
+                      <a:headEnd type="none" w="med" len="med"/>
+                      <a:tailEnd type="none" w="med" len="med"/>
+                    </a:lnT>
+                    <a:lnB w="12700" cap="flat" cmpd="sng" algn="ctr">
+                      <a:solidFill>
+                        <a:schemeClr val="tx1"/>
+                      </a:solidFill>
+                      <a:prstDash val="solid"/>
+                      <a:round/>
+                      <a:headEnd type="none" w="med" len="med"/>
+                      <a:tailEnd type="none" w="med" len="med"/>
+                    </a:lnB>
+                    <a:lnTlToBr w="12700" cmpd="sng">
+                      <a:noFill/>
+                      <a:prstDash val="solid"/>
+                    </a:lnTlToBr>
+                    <a:lnBlToTr w="12700" cmpd="sng">
+                      <a:noFill/>
+                      <a:prstDash val="solid"/>
+                    </a:lnBlToTr>
+                    <a:solidFill>
+                      <a:schemeClr val="bg1"/>
+                    </a:solidFill>
+                  </a:tcPr>
+                </a:tc>
+                <a:tc>
+                  <a:txBody>
+                    <a:bodyPr/>
+                    <a:lstStyle/>
+                    <a:p>
+                      <a:pPr algn="ctr" latinLnBrk="1"/>
+                      <a:r>
+                        <a:rPr lang="en-US" altLang="ko-KR" dirty="0">
+                          <a:solidFill>
+                            <a:schemeClr val="tx1"/>
+                          </a:solidFill>
+                          <a:latin typeface="KoPubDotum Light" panose="00000300000000000000" pitchFamily="2" charset="-127"/>
+                          <a:ea typeface="KoPubDotum Light" panose="00000300000000000000" pitchFamily="2" charset="-127"/>
+                        </a:rPr>
+                        <a:t>RWS X</a:t>
+                      </a:r>
+                      <a:endParaRPr lang="ko-KR" altLang="en-US" dirty="0">
+                        <a:solidFill>
+                          <a:schemeClr val="tx1"/>
+                        </a:solidFill>
+                        <a:latin typeface="KoPubDotum Light" panose="00000300000000000000" pitchFamily="2" charset="-127"/>
+                        <a:ea typeface="KoPubDotum Light" panose="00000300000000000000" pitchFamily="2" charset="-127"/>
+                      </a:endParaRPr>
+                    </a:p>
+                  </a:txBody>
+                  <a:tcPr anchor="ctr">
+                    <a:lnL w="12700" cap="flat" cmpd="sng" algn="ctr">
+                      <a:solidFill>
+                        <a:schemeClr val="tx1"/>
+                      </a:solidFill>
+                      <a:prstDash val="solid"/>
+                      <a:round/>
+                      <a:headEnd type="none" w="med" len="med"/>
+                      <a:tailEnd type="none" w="med" len="med"/>
+                    </a:lnL>
+                    <a:lnR w="12700" cap="flat" cmpd="sng" algn="ctr">
+                      <a:solidFill>
+                        <a:schemeClr val="tx1"/>
+                      </a:solidFill>
+                      <a:prstDash val="solid"/>
+                      <a:round/>
+                      <a:headEnd type="none" w="med" len="med"/>
+                      <a:tailEnd type="none" w="med" len="med"/>
+                    </a:lnR>
+                    <a:lnT w="12700" cap="flat" cmpd="sng" algn="ctr">
+                      <a:solidFill>
+                        <a:schemeClr val="tx1"/>
+                      </a:solidFill>
+                      <a:prstDash val="solid"/>
+                      <a:round/>
+                      <a:headEnd type="none" w="med" len="med"/>
+                      <a:tailEnd type="none" w="med" len="med"/>
+                    </a:lnT>
+                    <a:lnB w="12700" cap="flat" cmpd="sng" algn="ctr">
+                      <a:solidFill>
+                        <a:schemeClr val="tx1"/>
+                      </a:solidFill>
+                      <a:prstDash val="solid"/>
+                      <a:round/>
+                      <a:headEnd type="none" w="med" len="med"/>
+                      <a:tailEnd type="none" w="med" len="med"/>
+                    </a:lnB>
+                    <a:lnTlToBr w="12700" cmpd="sng">
+                      <a:noFill/>
+                      <a:prstDash val="solid"/>
+                    </a:lnTlToBr>
+                    <a:lnBlToTr w="12700" cmpd="sng">
+                      <a:noFill/>
+                      <a:prstDash val="solid"/>
+                    </a:lnBlToTr>
+                    <a:solidFill>
+                      <a:schemeClr val="bg1"/>
+                    </a:solidFill>
+                  </a:tcPr>
+                </a:tc>
+                <a:extLst>
+                  <a:ext uri="{0D108BD9-81ED-4DB2-BD59-A6C34878D82A}">
+                    <a16:rowId xmlns:a16="http://schemas.microsoft.com/office/drawing/2014/main" val="2448115783"/>
+                  </a:ext>
+                </a:extLst>
+              </a:tr>
+              <a:tr h="460308">
+                <a:tc>
+                  <a:txBody>
+                    <a:bodyPr/>
+                    <a:lstStyle/>
+                    <a:p>
+                      <a:pPr algn="ctr" latinLnBrk="1"/>
+                      <a:r>
+                        <a:rPr lang="en-US" altLang="ko-KR" dirty="0">
+                          <a:latin typeface="KoPubDotum Light" panose="00000300000000000000" pitchFamily="2" charset="-127"/>
+                          <a:ea typeface="KoPubDotum Light" panose="00000300000000000000" pitchFamily="2" charset="-127"/>
+                        </a:rPr>
+                        <a:t>IPG</a:t>
+                      </a:r>
+                      <a:endParaRPr lang="ko-KR" altLang="en-US" dirty="0">
+                        <a:latin typeface="KoPubDotum Light" panose="00000300000000000000" pitchFamily="2" charset="-127"/>
+                        <a:ea typeface="KoPubDotum Light" panose="00000300000000000000" pitchFamily="2" charset="-127"/>
+                      </a:endParaRPr>
+                    </a:p>
+                  </a:txBody>
+                  <a:tcPr anchor="ctr">
+                    <a:lnL w="12700" cap="flat" cmpd="sng" algn="ctr">
+                      <a:solidFill>
+                        <a:schemeClr val="tx1"/>
+                      </a:solidFill>
+                      <a:prstDash val="solid"/>
+                      <a:round/>
+                      <a:headEnd type="none" w="med" len="med"/>
+                      <a:tailEnd type="none" w="med" len="med"/>
+                    </a:lnL>
+                    <a:lnR w="12700" cap="flat" cmpd="sng" algn="ctr">
+                      <a:solidFill>
+                        <a:schemeClr val="tx1"/>
+                      </a:solidFill>
+                      <a:prstDash val="solid"/>
+                      <a:round/>
+                      <a:headEnd type="none" w="med" len="med"/>
+                      <a:tailEnd type="none" w="med" len="med"/>
+                    </a:lnR>
+                    <a:lnT w="12700" cap="flat" cmpd="sng" algn="ctr">
+                      <a:solidFill>
+                        <a:schemeClr val="tx1"/>
+                      </a:solidFill>
+                      <a:prstDash val="solid"/>
+                      <a:round/>
+                      <a:headEnd type="none" w="med" len="med"/>
+                      <a:tailEnd type="none" w="med" len="med"/>
+                    </a:lnT>
+                    <a:lnB w="12700" cap="flat" cmpd="sng" algn="ctr">
+                      <a:solidFill>
+                        <a:schemeClr val="tx1"/>
+                      </a:solidFill>
+                      <a:prstDash val="solid"/>
+                      <a:round/>
+                      <a:headEnd type="none" w="med" len="med"/>
+                      <a:tailEnd type="none" w="med" len="med"/>
+                    </a:lnB>
+                    <a:lnTlToBr w="12700" cmpd="sng">
+                      <a:noFill/>
+                      <a:prstDash val="solid"/>
+                    </a:lnTlToBr>
+                    <a:lnBlToTr w="12700" cmpd="sng">
+                      <a:noFill/>
+                      <a:prstDash val="solid"/>
+                    </a:lnBlToTr>
+                    <a:solidFill>
+                      <a:schemeClr val="bg1"/>
+                    </a:solidFill>
+                  </a:tcPr>
+                </a:tc>
+                <a:tc>
+                  <a:txBody>
+                    <a:bodyPr/>
+                    <a:lstStyle/>
+                    <a:p>
+                      <a:pPr algn="ctr" latinLnBrk="1"/>
+                      <a:r>
+                        <a:rPr lang="en-US" altLang="ko-KR" dirty="0">
+                          <a:latin typeface="KoPubDotum Light" panose="00000300000000000000" pitchFamily="2" charset="-127"/>
+                          <a:ea typeface="KoPubDotum Light" panose="00000300000000000000" pitchFamily="2" charset="-127"/>
+                        </a:rPr>
+                        <a:t>3</a:t>
+                      </a:r>
+                      <a:endParaRPr lang="ko-KR" altLang="en-US" dirty="0">
+                        <a:latin typeface="KoPubDotum Light" panose="00000300000000000000" pitchFamily="2" charset="-127"/>
+                        <a:ea typeface="KoPubDotum Light" panose="00000300000000000000" pitchFamily="2" charset="-127"/>
+                      </a:endParaRPr>
+                    </a:p>
+                  </a:txBody>
+                  <a:tcPr anchor="ctr">
+                    <a:lnL w="12700" cap="flat" cmpd="sng" algn="ctr">
+                      <a:solidFill>
+                        <a:schemeClr val="tx1"/>
+                      </a:solidFill>
+                      <a:prstDash val="solid"/>
+                      <a:round/>
+                      <a:headEnd type="none" w="med" len="med"/>
+                      <a:tailEnd type="none" w="med" len="med"/>
+                    </a:lnL>
+                    <a:lnR w="12700" cap="flat" cmpd="sng" algn="ctr">
+                      <a:solidFill>
+                        <a:schemeClr val="tx1"/>
+                      </a:solidFill>
+                      <a:prstDash val="solid"/>
+                      <a:round/>
+                      <a:headEnd type="none" w="med" len="med"/>
+                      <a:tailEnd type="none" w="med" len="med"/>
+                    </a:lnR>
+                    <a:lnT w="12700" cap="flat" cmpd="sng" algn="ctr">
+                      <a:solidFill>
+                        <a:schemeClr val="tx1"/>
+                      </a:solidFill>
+                      <a:prstDash val="solid"/>
+                      <a:round/>
+                      <a:headEnd type="none" w="med" len="med"/>
+                      <a:tailEnd type="none" w="med" len="med"/>
+                    </a:lnT>
+                    <a:lnB w="12700" cap="flat" cmpd="sng" algn="ctr">
+                      <a:solidFill>
+                        <a:schemeClr val="tx1"/>
+                      </a:solidFill>
+                      <a:prstDash val="solid"/>
+                      <a:round/>
+                      <a:headEnd type="none" w="med" len="med"/>
+                      <a:tailEnd type="none" w="med" len="med"/>
+                    </a:lnB>
+                    <a:lnTlToBr w="12700" cmpd="sng">
+                      <a:noFill/>
+                      <a:prstDash val="solid"/>
+                    </a:lnTlToBr>
+                    <a:lnBlToTr w="12700" cmpd="sng">
+                      <a:noFill/>
+                      <a:prstDash val="solid"/>
+                    </a:lnBlToTr>
+                    <a:solidFill>
+                      <a:schemeClr val="bg1"/>
+                    </a:solidFill>
+                  </a:tcPr>
+                </a:tc>
+                <a:tc>
+                  <a:txBody>
+                    <a:bodyPr/>
+                    <a:lstStyle/>
+                    <a:p>
+                      <a:pPr algn="ctr" latinLnBrk="1"/>
+                      <a:r>
+                        <a:rPr lang="en-US" altLang="ko-KR" dirty="0">
+                          <a:latin typeface="KoPubDotum Light" panose="00000300000000000000" pitchFamily="2" charset="-127"/>
+                          <a:ea typeface="KoPubDotum Light" panose="00000300000000000000" pitchFamily="2" charset="-127"/>
+                        </a:rPr>
+                        <a:t>3</a:t>
+                      </a:r>
+                      <a:endParaRPr lang="ko-KR" altLang="en-US" dirty="0">
+                        <a:latin typeface="KoPubDotum Light" panose="00000300000000000000" pitchFamily="2" charset="-127"/>
+                        <a:ea typeface="KoPubDotum Light" panose="00000300000000000000" pitchFamily="2" charset="-127"/>
+                      </a:endParaRPr>
+                    </a:p>
+                  </a:txBody>
+                  <a:tcPr anchor="ctr">
+                    <a:lnL w="12700" cap="flat" cmpd="sng" algn="ctr">
+                      <a:solidFill>
+                        <a:schemeClr val="tx1"/>
+                      </a:solidFill>
+                      <a:prstDash val="solid"/>
+                      <a:round/>
+                      <a:headEnd type="none" w="med" len="med"/>
+                      <a:tailEnd type="none" w="med" len="med"/>
+                    </a:lnL>
+                    <a:lnR w="12700" cap="flat" cmpd="sng" algn="ctr">
+                      <a:solidFill>
+                        <a:schemeClr val="tx1"/>
+                      </a:solidFill>
+                      <a:prstDash val="solid"/>
+                      <a:round/>
+                      <a:headEnd type="none" w="med" len="med"/>
+                      <a:tailEnd type="none" w="med" len="med"/>
+                    </a:lnR>
+                    <a:lnT w="12700" cap="flat" cmpd="sng" algn="ctr">
+                      <a:solidFill>
+                        <a:schemeClr val="tx1"/>
+                      </a:solidFill>
+                      <a:prstDash val="solid"/>
+                      <a:round/>
+                      <a:headEnd type="none" w="med" len="med"/>
+                      <a:tailEnd type="none" w="med" len="med"/>
+                    </a:lnT>
+                    <a:lnB w="12700" cap="flat" cmpd="sng" algn="ctr">
+                      <a:solidFill>
+                        <a:schemeClr val="tx1"/>
+                      </a:solidFill>
+                      <a:prstDash val="solid"/>
+                      <a:round/>
+                      <a:headEnd type="none" w="med" len="med"/>
+                      <a:tailEnd type="none" w="med" len="med"/>
+                    </a:lnB>
+                    <a:lnTlToBr w="12700" cmpd="sng">
+                      <a:noFill/>
+                      <a:prstDash val="solid"/>
+                    </a:lnTlToBr>
+                    <a:lnBlToTr w="12700" cmpd="sng">
+                      <a:noFill/>
+                      <a:prstDash val="solid"/>
+                    </a:lnBlToTr>
+                    <a:solidFill>
+                      <a:schemeClr val="bg1"/>
+                    </a:solidFill>
+                  </a:tcPr>
+                </a:tc>
+                <a:extLst>
+                  <a:ext uri="{0D108BD9-81ED-4DB2-BD59-A6C34878D82A}">
+                    <a16:rowId xmlns:a16="http://schemas.microsoft.com/office/drawing/2014/main" val="2644629704"/>
+                  </a:ext>
+                </a:extLst>
+              </a:tr>
+              <a:tr h="460308">
+                <a:tc>
+                  <a:txBody>
+                    <a:bodyPr/>
+                    <a:lstStyle/>
+                    <a:p>
+                      <a:pPr algn="ctr" latinLnBrk="1"/>
+                      <a:r>
+                        <a:rPr lang="en-US" altLang="ko-KR" dirty="0">
+                          <a:latin typeface="KoPubDotum Light" panose="00000300000000000000" pitchFamily="2" charset="-127"/>
+                          <a:ea typeface="KoPubDotum Light" panose="00000300000000000000" pitchFamily="2" charset="-127"/>
+                        </a:rPr>
+                        <a:t>RL</a:t>
+                      </a:r>
+                      <a:endParaRPr lang="ko-KR" altLang="en-US" dirty="0">
+                        <a:latin typeface="KoPubDotum Light" panose="00000300000000000000" pitchFamily="2" charset="-127"/>
+                        <a:ea typeface="KoPubDotum Light" panose="00000300000000000000" pitchFamily="2" charset="-127"/>
+                      </a:endParaRPr>
+                    </a:p>
+                  </a:txBody>
+                  <a:tcPr anchor="ctr">
+                    <a:lnL w="12700" cap="flat" cmpd="sng" algn="ctr">
+                      <a:solidFill>
+                        <a:schemeClr val="tx1"/>
+                      </a:solidFill>
+                      <a:prstDash val="solid"/>
+                      <a:round/>
+                      <a:headEnd type="none" w="med" len="med"/>
+                      <a:tailEnd type="none" w="med" len="med"/>
+                    </a:lnL>
+                    <a:lnR w="12700" cap="flat" cmpd="sng" algn="ctr">
+                      <a:solidFill>
+                        <a:schemeClr val="tx1"/>
+                      </a:solidFill>
+                      <a:prstDash val="solid"/>
+                      <a:round/>
+                      <a:headEnd type="none" w="med" len="med"/>
+                      <a:tailEnd type="none" w="med" len="med"/>
+                    </a:lnR>
+                    <a:lnT w="12700" cap="flat" cmpd="sng" algn="ctr">
+                      <a:solidFill>
+                        <a:schemeClr val="tx1"/>
+                      </a:solidFill>
+                      <a:prstDash val="solid"/>
+                      <a:round/>
+                      <a:headEnd type="none" w="med" len="med"/>
+                      <a:tailEnd type="none" w="med" len="med"/>
+                    </a:lnT>
+                    <a:lnB w="12700" cap="flat" cmpd="sng" algn="ctr">
+                      <a:solidFill>
+                        <a:schemeClr val="tx1"/>
+                      </a:solidFill>
+                      <a:prstDash val="solid"/>
+                      <a:round/>
+                      <a:headEnd type="none" w="med" len="med"/>
+                      <a:tailEnd type="none" w="med" len="med"/>
+                    </a:lnB>
+                    <a:lnTlToBr w="12700" cmpd="sng">
+                      <a:noFill/>
+                      <a:prstDash val="solid"/>
+                    </a:lnTlToBr>
+                    <a:lnBlToTr w="12700" cmpd="sng">
+                      <a:noFill/>
+                      <a:prstDash val="solid"/>
+                    </a:lnBlToTr>
+                    <a:solidFill>
+                      <a:schemeClr val="bg1"/>
+                    </a:solidFill>
+                  </a:tcPr>
+                </a:tc>
+                <a:tc>
+                  <a:txBody>
+                    <a:bodyPr/>
+                    <a:lstStyle/>
+                    <a:p>
+                      <a:pPr algn="ctr" latinLnBrk="1"/>
+                      <a:r>
+                        <a:rPr lang="en-US" altLang="ko-KR" dirty="0">
+                          <a:latin typeface="KoPubDotum Light" panose="00000300000000000000" pitchFamily="2" charset="-127"/>
+                          <a:ea typeface="KoPubDotum Light" panose="00000300000000000000" pitchFamily="2" charset="-127"/>
+                        </a:rPr>
+                        <a:t>1</a:t>
+                      </a:r>
+                      <a:endParaRPr lang="ko-KR" altLang="en-US" dirty="0">
+                        <a:latin typeface="KoPubDotum Light" panose="00000300000000000000" pitchFamily="2" charset="-127"/>
+                        <a:ea typeface="KoPubDotum Light" panose="00000300000000000000" pitchFamily="2" charset="-127"/>
+                      </a:endParaRPr>
+                    </a:p>
+                  </a:txBody>
+                  <a:tcPr anchor="ctr">
+                    <a:lnL w="12700" cap="flat" cmpd="sng" algn="ctr">
+                      <a:solidFill>
+                        <a:schemeClr val="tx1"/>
+                      </a:solidFill>
+                      <a:prstDash val="solid"/>
+                      <a:round/>
+                      <a:headEnd type="none" w="med" len="med"/>
+                      <a:tailEnd type="none" w="med" len="med"/>
+                    </a:lnL>
+                    <a:lnR w="12700" cap="flat" cmpd="sng" algn="ctr">
+                      <a:solidFill>
+                        <a:schemeClr val="tx1"/>
+                      </a:solidFill>
+                      <a:prstDash val="solid"/>
+                      <a:round/>
+                      <a:headEnd type="none" w="med" len="med"/>
+                      <a:tailEnd type="none" w="med" len="med"/>
+                    </a:lnR>
+                    <a:lnT w="12700" cap="flat" cmpd="sng" algn="ctr">
+                      <a:solidFill>
+                        <a:schemeClr val="tx1"/>
+                      </a:solidFill>
+                      <a:prstDash val="solid"/>
+                      <a:round/>
+                      <a:headEnd type="none" w="med" len="med"/>
+                      <a:tailEnd type="none" w="med" len="med"/>
+                    </a:lnT>
+                    <a:lnB w="12700" cap="flat" cmpd="sng" algn="ctr">
+                      <a:solidFill>
+                        <a:schemeClr val="tx1"/>
+                      </a:solidFill>
+                      <a:prstDash val="solid"/>
+                      <a:round/>
+                      <a:headEnd type="none" w="med" len="med"/>
+                      <a:tailEnd type="none" w="med" len="med"/>
+                    </a:lnB>
+                    <a:lnTlToBr w="12700" cmpd="sng">
+                      <a:noFill/>
+                      <a:prstDash val="solid"/>
+                    </a:lnTlToBr>
+                    <a:lnBlToTr w="12700" cmpd="sng">
+                      <a:noFill/>
+                      <a:prstDash val="solid"/>
+                    </a:lnBlToTr>
+                    <a:solidFill>
+                      <a:schemeClr val="bg1"/>
+                    </a:solidFill>
+                  </a:tcPr>
+                </a:tc>
+                <a:tc>
+                  <a:txBody>
+                    <a:bodyPr/>
+                    <a:lstStyle/>
+                    <a:p>
+                      <a:pPr algn="ctr" latinLnBrk="1"/>
+                      <a:r>
+                        <a:rPr lang="en-US" altLang="ko-KR" dirty="0">
+                          <a:latin typeface="KoPubDotum Light" panose="00000300000000000000" pitchFamily="2" charset="-127"/>
+                          <a:ea typeface="KoPubDotum Light" panose="00000300000000000000" pitchFamily="2" charset="-127"/>
+                        </a:rPr>
+                        <a:t>0</a:t>
+                      </a:r>
+                      <a:endParaRPr lang="ko-KR" altLang="en-US" dirty="0">
+                        <a:latin typeface="KoPubDotum Light" panose="00000300000000000000" pitchFamily="2" charset="-127"/>
+                        <a:ea typeface="KoPubDotum Light" panose="00000300000000000000" pitchFamily="2" charset="-127"/>
+                      </a:endParaRPr>
+                    </a:p>
+                  </a:txBody>
+                  <a:tcPr anchor="ctr">
+                    <a:lnL w="12700" cap="flat" cmpd="sng" algn="ctr">
+                      <a:solidFill>
+                        <a:schemeClr val="tx1"/>
+                      </a:solidFill>
+                      <a:prstDash val="solid"/>
+                      <a:round/>
+                      <a:headEnd type="none" w="med" len="med"/>
+                      <a:tailEnd type="none" w="med" len="med"/>
+                    </a:lnL>
+                    <a:lnR w="12700" cap="flat" cmpd="sng" algn="ctr">
+                      <a:solidFill>
+                        <a:schemeClr val="tx1"/>
+                      </a:solidFill>
+                      <a:prstDash val="solid"/>
+                      <a:round/>
+                      <a:headEnd type="none" w="med" len="med"/>
+                      <a:tailEnd type="none" w="med" len="med"/>
+                    </a:lnR>
+                    <a:lnT w="12700" cap="flat" cmpd="sng" algn="ctr">
+                      <a:solidFill>
+                        <a:schemeClr val="tx1"/>
+                      </a:solidFill>
+                      <a:prstDash val="solid"/>
+                      <a:round/>
+                      <a:headEnd type="none" w="med" len="med"/>
+                      <a:tailEnd type="none" w="med" len="med"/>
+                    </a:lnT>
+                    <a:lnB w="12700" cap="flat" cmpd="sng" algn="ctr">
+                      <a:solidFill>
+                        <a:schemeClr val="tx1"/>
+                      </a:solidFill>
+                      <a:prstDash val="solid"/>
+                      <a:round/>
+                      <a:headEnd type="none" w="med" len="med"/>
+                      <a:tailEnd type="none" w="med" len="med"/>
+                    </a:lnB>
+                    <a:lnTlToBr w="12700" cmpd="sng">
+                      <a:noFill/>
+                      <a:prstDash val="solid"/>
+                    </a:lnTlToBr>
+                    <a:lnBlToTr w="12700" cmpd="sng">
+                      <a:noFill/>
+                      <a:prstDash val="solid"/>
+                    </a:lnBlToTr>
+                    <a:solidFill>
+                      <a:schemeClr val="bg1"/>
+                    </a:solidFill>
+                  </a:tcPr>
+                </a:tc>
+                <a:extLst>
+                  <a:ext uri="{0D108BD9-81ED-4DB2-BD59-A6C34878D82A}">
+                    <a16:rowId xmlns:a16="http://schemas.microsoft.com/office/drawing/2014/main" val="3366252184"/>
+                  </a:ext>
+                </a:extLst>
+              </a:tr>
+            </a:tbl>
+          </a:graphicData>
+        </a:graphic>
+      </p:graphicFrame>
+    </p:spTree>
+    <p:extLst>
+      <p:ext uri="{BB962C8B-B14F-4D97-AF65-F5344CB8AC3E}">
+        <p14:creationId xmlns:p14="http://schemas.microsoft.com/office/powerpoint/2010/main" val="2338093841"/>
       </p:ext>
     </p:extLst>
   </p:cSld>

--- a/1108Report/1108Report.pptx
+++ b/1108Report/1108Report.pptx
@@ -5,7 +5,7 @@
     <p:sldMasterId id="2147483648" r:id="rId1"/>
   </p:sldMasterIdLst>
   <p:handoutMasterIdLst>
-    <p:handoutMasterId r:id="rId9"/>
+    <p:handoutMasterId r:id="rId12"/>
   </p:handoutMasterIdLst>
   <p:sldIdLst>
     <p:sldId id="262" r:id="rId2"/>
@@ -15,6 +15,9 @@
     <p:sldId id="328" r:id="rId6"/>
     <p:sldId id="330" r:id="rId7"/>
     <p:sldId id="329" r:id="rId8"/>
+    <p:sldId id="333" r:id="rId9"/>
+    <p:sldId id="331" r:id="rId10"/>
+    <p:sldId id="332" r:id="rId11"/>
   </p:sldIdLst>
   <p:sldSz cx="12192000" cy="6858000"/>
   <p:notesSz cx="6858000" cy="9144000"/>
@@ -218,7 +221,7 @@
           <a:p>
             <a:fld id="{265A5232-C53E-4F47-9B1D-10DC02294D1A}" type="datetimeFigureOut">
               <a:rPr lang="en-US" smtClean="0"/>
-              <a:t>11/8/2023</a:t>
+              <a:t>11/17/2023</a:t>
             </a:fld>
             <a:endParaRPr lang="en-US"/>
           </a:p>
@@ -468,7 +471,7 @@
           <a:p>
             <a:fld id="{F0AD61EE-A626-44D1-8BBF-C441989EBD45}" type="datetimeFigureOut">
               <a:rPr lang="ko-KR" altLang="en-US" smtClean="0"/>
-              <a:t>2023-11-08</a:t>
+              <a:t>2023-11-17</a:t>
             </a:fld>
             <a:endParaRPr lang="ko-KR" altLang="en-US"/>
           </a:p>
@@ -666,7 +669,7 @@
           <a:p>
             <a:fld id="{F0AD61EE-A626-44D1-8BBF-C441989EBD45}" type="datetimeFigureOut">
               <a:rPr lang="ko-KR" altLang="en-US" smtClean="0"/>
-              <a:t>2023-11-08</a:t>
+              <a:t>2023-11-17</a:t>
             </a:fld>
             <a:endParaRPr lang="ko-KR" altLang="en-US"/>
           </a:p>
@@ -874,7 +877,7 @@
           <a:p>
             <a:fld id="{F0AD61EE-A626-44D1-8BBF-C441989EBD45}" type="datetimeFigureOut">
               <a:rPr lang="ko-KR" altLang="en-US" smtClean="0"/>
-              <a:t>2023-11-08</a:t>
+              <a:t>2023-11-17</a:t>
             </a:fld>
             <a:endParaRPr lang="ko-KR" altLang="en-US"/>
           </a:p>
@@ -1116,7 +1119,7 @@
           <a:p>
             <a:fld id="{F0AD61EE-A626-44D1-8BBF-C441989EBD45}" type="datetimeFigureOut">
               <a:rPr lang="ko-KR" altLang="en-US" smtClean="0"/>
-              <a:t>2023-11-08</a:t>
+              <a:t>2023-11-17</a:t>
             </a:fld>
             <a:endParaRPr lang="ko-KR" altLang="en-US"/>
           </a:p>
@@ -1432,7 +1435,7 @@
           <a:p>
             <a:fld id="{F0AD61EE-A626-44D1-8BBF-C441989EBD45}" type="datetimeFigureOut">
               <a:rPr lang="ko-KR" altLang="en-US" smtClean="0"/>
-              <a:t>2023-11-08</a:t>
+              <a:t>2023-11-17</a:t>
             </a:fld>
             <a:endParaRPr lang="ko-KR" altLang="en-US"/>
           </a:p>
@@ -1738,7 +1741,7 @@
           <a:p>
             <a:fld id="{F0AD61EE-A626-44D1-8BBF-C441989EBD45}" type="datetimeFigureOut">
               <a:rPr lang="ko-KR" altLang="en-US" smtClean="0"/>
-              <a:t>2023-11-08</a:t>
+              <a:t>2023-11-17</a:t>
             </a:fld>
             <a:endParaRPr lang="ko-KR" altLang="en-US"/>
           </a:p>
@@ -2150,7 +2153,7 @@
           <a:p>
             <a:fld id="{F0AD61EE-A626-44D1-8BBF-C441989EBD45}" type="datetimeFigureOut">
               <a:rPr lang="ko-KR" altLang="en-US" smtClean="0"/>
-              <a:t>2023-11-08</a:t>
+              <a:t>2023-11-17</a:t>
             </a:fld>
             <a:endParaRPr lang="ko-KR" altLang="en-US"/>
           </a:p>
@@ -2291,7 +2294,7 @@
           <a:p>
             <a:fld id="{F0AD61EE-A626-44D1-8BBF-C441989EBD45}" type="datetimeFigureOut">
               <a:rPr lang="ko-KR" altLang="en-US" smtClean="0"/>
-              <a:t>2023-11-08</a:t>
+              <a:t>2023-11-17</a:t>
             </a:fld>
             <a:endParaRPr lang="ko-KR" altLang="en-US"/>
           </a:p>
@@ -2404,7 +2407,7 @@
           <a:p>
             <a:fld id="{F0AD61EE-A626-44D1-8BBF-C441989EBD45}" type="datetimeFigureOut">
               <a:rPr lang="ko-KR" altLang="en-US" smtClean="0"/>
-              <a:t>2023-11-08</a:t>
+              <a:t>2023-11-17</a:t>
             </a:fld>
             <a:endParaRPr lang="ko-KR" altLang="en-US"/>
           </a:p>
@@ -2715,7 +2718,7 @@
           <a:p>
             <a:fld id="{F0AD61EE-A626-44D1-8BBF-C441989EBD45}" type="datetimeFigureOut">
               <a:rPr lang="ko-KR" altLang="en-US" smtClean="0"/>
-              <a:t>2023-11-08</a:t>
+              <a:t>2023-11-17</a:t>
             </a:fld>
             <a:endParaRPr lang="ko-KR" altLang="en-US"/>
           </a:p>
@@ -3003,7 +3006,7 @@
           <a:p>
             <a:fld id="{F0AD61EE-A626-44D1-8BBF-C441989EBD45}" type="datetimeFigureOut">
               <a:rPr lang="ko-KR" altLang="en-US" smtClean="0"/>
-              <a:t>2023-11-08</a:t>
+              <a:t>2023-11-17</a:t>
             </a:fld>
             <a:endParaRPr lang="ko-KR" altLang="en-US"/>
           </a:p>
@@ -3244,7 +3247,7 @@
           <a:p>
             <a:fld id="{F0AD61EE-A626-44D1-8BBF-C441989EBD45}" type="datetimeFigureOut">
               <a:rPr lang="ko-KR" altLang="en-US" smtClean="0"/>
-              <a:t>2023-11-08</a:t>
+              <a:t>2023-11-17</a:t>
             </a:fld>
             <a:endParaRPr lang="ko-KR" altLang="en-US"/>
           </a:p>
@@ -3752,6 +3755,101 @@
     <p:extLst>
       <p:ext uri="{BB962C8B-B14F-4D97-AF65-F5344CB8AC3E}">
         <p14:creationId xmlns:p14="http://schemas.microsoft.com/office/powerpoint/2010/main" val="1439991183"/>
+      </p:ext>
+    </p:extLst>
+  </p:cSld>
+  <p:clrMapOvr>
+    <a:masterClrMapping/>
+  </p:clrMapOvr>
+</p:sld>
+</file>
+
+<file path=ppt/slides/slide10.xml><?xml version="1.0" encoding="utf-8"?>
+<p:sld xmlns:a="http://schemas.openxmlformats.org/drawingml/2006/main" xmlns:r="http://schemas.openxmlformats.org/officeDocument/2006/relationships" xmlns:p="http://schemas.openxmlformats.org/presentationml/2006/main">
+  <p:cSld>
+    <p:spTree>
+      <p:nvGrpSpPr>
+        <p:cNvPr id="1" name=""/>
+        <p:cNvGrpSpPr/>
+        <p:nvPr/>
+      </p:nvGrpSpPr>
+      <p:grpSpPr>
+        <a:xfrm>
+          <a:off x="0" y="0"/>
+          <a:ext cx="0" cy="0"/>
+          <a:chOff x="0" y="0"/>
+          <a:chExt cx="0" cy="0"/>
+        </a:xfrm>
+      </p:grpSpPr>
+      <p:sp>
+        <p:nvSpPr>
+          <p:cNvPr id="2" name="제목 1">
+            <a:extLst>
+              <a:ext uri="{FF2B5EF4-FFF2-40B4-BE49-F238E27FC236}">
+                <a16:creationId xmlns:a16="http://schemas.microsoft.com/office/drawing/2014/main" id="{7AC10D25-866D-2C51-DB4E-FBBAC06099F0}"/>
+              </a:ext>
+            </a:extLst>
+          </p:cNvPr>
+          <p:cNvSpPr>
+            <a:spLocks noGrp="1"/>
+          </p:cNvSpPr>
+          <p:nvPr>
+            <p:ph type="title"/>
+          </p:nvPr>
+        </p:nvSpPr>
+        <p:spPr/>
+        <p:txBody>
+          <a:bodyPr/>
+          <a:lstStyle/>
+          <a:p>
+            <a:r>
+              <a:rPr lang="en-US" altLang="ko-KR" dirty="0" err="1"/>
+              <a:t>UTurn</a:t>
+            </a:r>
+            <a:r>
+              <a:rPr lang="en-US" altLang="ko-KR" dirty="0"/>
+              <a:t> - </a:t>
+            </a:r>
+            <a:r>
+              <a:rPr lang="ko-KR" altLang="en-US" dirty="0"/>
+              <a:t>학습결과</a:t>
+            </a:r>
+          </a:p>
+        </p:txBody>
+      </p:sp>
+      <p:pic>
+        <p:nvPicPr>
+          <p:cNvPr id="5" name="내용 개체 틀 4">
+            <a:extLst>
+              <a:ext uri="{FF2B5EF4-FFF2-40B4-BE49-F238E27FC236}">
+                <a16:creationId xmlns:a16="http://schemas.microsoft.com/office/drawing/2014/main" id="{2169DFF5-F98A-FC90-FC67-F4AED3A4F572}"/>
+              </a:ext>
+            </a:extLst>
+          </p:cNvPr>
+          <p:cNvPicPr>
+            <a:picLocks noGrp="1" noChangeAspect="1"/>
+          </p:cNvPicPr>
+          <p:nvPr>
+            <p:ph idx="1"/>
+          </p:nvPr>
+        </p:nvPicPr>
+        <p:blipFill>
+          <a:blip r:embed="rId2"/>
+          <a:stretch>
+            <a:fillRect/>
+          </a:stretch>
+        </p:blipFill>
+        <p:spPr>
+          <a:xfrm>
+            <a:off x="2173477" y="1825625"/>
+            <a:ext cx="7845046" cy="4351338"/>
+          </a:xfrm>
+        </p:spPr>
+      </p:pic>
+    </p:spTree>
+    <p:extLst>
+      <p:ext uri="{BB962C8B-B14F-4D97-AF65-F5344CB8AC3E}">
+        <p14:creationId xmlns:p14="http://schemas.microsoft.com/office/powerpoint/2010/main" val="1131221384"/>
       </p:ext>
     </p:extLst>
   </p:cSld>
@@ -5380,6 +5478,705 @@
 </p:sld>
 </file>
 
+<file path=ppt/slides/slide8.xml><?xml version="1.0" encoding="utf-8"?>
+<p:sld xmlns:a="http://schemas.openxmlformats.org/drawingml/2006/main" xmlns:r="http://schemas.openxmlformats.org/officeDocument/2006/relationships" xmlns:p="http://schemas.openxmlformats.org/presentationml/2006/main">
+  <p:cSld>
+    <p:spTree>
+      <p:nvGrpSpPr>
+        <p:cNvPr id="1" name=""/>
+        <p:cNvGrpSpPr/>
+        <p:nvPr/>
+      </p:nvGrpSpPr>
+      <p:grpSpPr>
+        <a:xfrm>
+          <a:off x="0" y="0"/>
+          <a:ext cx="0" cy="0"/>
+          <a:chOff x="0" y="0"/>
+          <a:chExt cx="0" cy="0"/>
+        </a:xfrm>
+      </p:grpSpPr>
+      <p:sp>
+        <p:nvSpPr>
+          <p:cNvPr id="2" name="제목 1">
+            <a:extLst>
+              <a:ext uri="{FF2B5EF4-FFF2-40B4-BE49-F238E27FC236}">
+                <a16:creationId xmlns:a16="http://schemas.microsoft.com/office/drawing/2014/main" id="{D257BA79-F78A-BEC9-E8E6-7DB2BB6D629C}"/>
+              </a:ext>
+            </a:extLst>
+          </p:cNvPr>
+          <p:cNvSpPr>
+            <a:spLocks noGrp="1"/>
+          </p:cNvSpPr>
+          <p:nvPr>
+            <p:ph type="title"/>
+          </p:nvPr>
+        </p:nvSpPr>
+        <p:spPr/>
+        <p:txBody>
+          <a:bodyPr/>
+          <a:lstStyle/>
+          <a:p>
+            <a:r>
+              <a:rPr lang="en-US" altLang="ko-KR" dirty="0" err="1"/>
+              <a:t>UTurn</a:t>
+            </a:r>
+            <a:endParaRPr lang="ko-KR" altLang="en-US" dirty="0"/>
+          </a:p>
+        </p:txBody>
+      </p:sp>
+      <p:pic>
+        <p:nvPicPr>
+          <p:cNvPr id="5" name="내용 개체 틀 4">
+            <a:extLst>
+              <a:ext uri="{FF2B5EF4-FFF2-40B4-BE49-F238E27FC236}">
+                <a16:creationId xmlns:a16="http://schemas.microsoft.com/office/drawing/2014/main" id="{E2F133F9-1FEC-2E2D-7213-2F7C0979EECA}"/>
+              </a:ext>
+            </a:extLst>
+          </p:cNvPr>
+          <p:cNvPicPr>
+            <a:picLocks noGrp="1" noChangeAspect="1"/>
+          </p:cNvPicPr>
+          <p:nvPr>
+            <p:ph idx="1"/>
+          </p:nvPr>
+        </p:nvPicPr>
+        <p:blipFill rotWithShape="1">
+          <a:blip r:embed="rId2"/>
+          <a:srcRect t="29360"/>
+          <a:stretch/>
+        </p:blipFill>
+        <p:spPr>
+          <a:xfrm>
+            <a:off x="3751789" y="698165"/>
+            <a:ext cx="7602011" cy="659482"/>
+          </a:xfrm>
+        </p:spPr>
+      </p:pic>
+      <p:graphicFrame>
+        <p:nvGraphicFramePr>
+          <p:cNvPr id="6" name="표 5">
+            <a:extLst>
+              <a:ext uri="{FF2B5EF4-FFF2-40B4-BE49-F238E27FC236}">
+                <a16:creationId xmlns:a16="http://schemas.microsoft.com/office/drawing/2014/main" id="{00808247-EE63-21D7-E30F-B95136953FDD}"/>
+              </a:ext>
+            </a:extLst>
+          </p:cNvPr>
+          <p:cNvGraphicFramePr>
+            <a:graphicFrameLocks noGrp="1"/>
+          </p:cNvGraphicFramePr>
+          <p:nvPr>
+            <p:extLst>
+              <p:ext uri="{D42A27DB-BD31-4B8C-83A1-F6EECF244321}">
+                <p14:modId xmlns:p14="http://schemas.microsoft.com/office/powerpoint/2010/main" val="814782930"/>
+              </p:ext>
+            </p:extLst>
+          </p:nvPr>
+        </p:nvGraphicFramePr>
+        <p:xfrm>
+          <a:off x="412925" y="2766579"/>
+          <a:ext cx="11426772" cy="3058268"/>
+        </p:xfrm>
+        <a:graphic>
+          <a:graphicData uri="http://schemas.openxmlformats.org/drawingml/2006/table">
+            <a:tbl>
+              <a:tblPr firstRow="1" bandRow="1">
+                <a:tableStyleId>{5C22544A-7EE6-4342-B048-85BDC9FD1C3A}</a:tableStyleId>
+              </a:tblPr>
+              <a:tblGrid>
+                <a:gridCol w="1632396">
+                  <a:extLst>
+                    <a:ext uri="{9D8B030D-6E8A-4147-A177-3AD203B41FA5}">
+                      <a16:colId xmlns:a16="http://schemas.microsoft.com/office/drawing/2014/main" val="1854120993"/>
+                    </a:ext>
+                  </a:extLst>
+                </a:gridCol>
+                <a:gridCol w="1632396">
+                  <a:extLst>
+                    <a:ext uri="{9D8B030D-6E8A-4147-A177-3AD203B41FA5}">
+                      <a16:colId xmlns:a16="http://schemas.microsoft.com/office/drawing/2014/main" val="1047248228"/>
+                    </a:ext>
+                  </a:extLst>
+                </a:gridCol>
+                <a:gridCol w="1632396">
+                  <a:extLst>
+                    <a:ext uri="{9D8B030D-6E8A-4147-A177-3AD203B41FA5}">
+                      <a16:colId xmlns:a16="http://schemas.microsoft.com/office/drawing/2014/main" val="253879124"/>
+                    </a:ext>
+                  </a:extLst>
+                </a:gridCol>
+                <a:gridCol w="1632396">
+                  <a:extLst>
+                    <a:ext uri="{9D8B030D-6E8A-4147-A177-3AD203B41FA5}">
+                      <a16:colId xmlns:a16="http://schemas.microsoft.com/office/drawing/2014/main" val="1842753280"/>
+                    </a:ext>
+                  </a:extLst>
+                </a:gridCol>
+                <a:gridCol w="1632396">
+                  <a:extLst>
+                    <a:ext uri="{9D8B030D-6E8A-4147-A177-3AD203B41FA5}">
+                      <a16:colId xmlns:a16="http://schemas.microsoft.com/office/drawing/2014/main" val="2464451031"/>
+                    </a:ext>
+                  </a:extLst>
+                </a:gridCol>
+                <a:gridCol w="1632396">
+                  <a:extLst>
+                    <a:ext uri="{9D8B030D-6E8A-4147-A177-3AD203B41FA5}">
+                      <a16:colId xmlns:a16="http://schemas.microsoft.com/office/drawing/2014/main" val="3858282190"/>
+                    </a:ext>
+                  </a:extLst>
+                </a:gridCol>
+                <a:gridCol w="1632396">
+                  <a:extLst>
+                    <a:ext uri="{9D8B030D-6E8A-4147-A177-3AD203B41FA5}">
+                      <a16:colId xmlns:a16="http://schemas.microsoft.com/office/drawing/2014/main" val="324396924"/>
+                    </a:ext>
+                  </a:extLst>
+                </a:gridCol>
+              </a:tblGrid>
+              <a:tr h="764567">
+                <a:tc>
+                  <a:txBody>
+                    <a:bodyPr/>
+                    <a:lstStyle/>
+                    <a:p>
+                      <a:pPr latinLnBrk="1"/>
+                      <a:r>
+                        <a:rPr lang="en-US" altLang="ko-KR" dirty="0"/>
+                        <a:t>Name</a:t>
+                      </a:r>
+                      <a:endParaRPr lang="ko-KR" altLang="en-US" dirty="0"/>
+                    </a:p>
+                  </a:txBody>
+                  <a:tcPr/>
+                </a:tc>
+                <a:tc>
+                  <a:txBody>
+                    <a:bodyPr/>
+                    <a:lstStyle/>
+                    <a:p>
+                      <a:pPr latinLnBrk="1"/>
+                      <a:r>
+                        <a:rPr lang="en-US" altLang="ko-KR" dirty="0"/>
+                        <a:t>Time</a:t>
+                      </a:r>
+                      <a:endParaRPr lang="ko-KR" altLang="en-US" dirty="0"/>
+                    </a:p>
+                  </a:txBody>
+                  <a:tcPr/>
+                </a:tc>
+                <a:tc>
+                  <a:txBody>
+                    <a:bodyPr/>
+                    <a:lstStyle/>
+                    <a:p>
+                      <a:pPr latinLnBrk="1"/>
+                      <a:r>
+                        <a:rPr lang="en-US" altLang="ko-KR" dirty="0"/>
+                        <a:t>Roll rate</a:t>
+                      </a:r>
+                      <a:endParaRPr lang="ko-KR" altLang="en-US" dirty="0"/>
+                    </a:p>
+                  </a:txBody>
+                  <a:tcPr/>
+                </a:tc>
+                <a:tc>
+                  <a:txBody>
+                    <a:bodyPr/>
+                    <a:lstStyle/>
+                    <a:p>
+                      <a:pPr latinLnBrk="1"/>
+                      <a:r>
+                        <a:rPr lang="en-US" altLang="ko-KR" dirty="0"/>
+                        <a:t>Yaw Rate</a:t>
+                      </a:r>
+                      <a:endParaRPr lang="ko-KR" altLang="en-US" dirty="0"/>
+                    </a:p>
+                  </a:txBody>
+                  <a:tcPr/>
+                </a:tc>
+                <a:tc>
+                  <a:txBody>
+                    <a:bodyPr/>
+                    <a:lstStyle/>
+                    <a:p>
+                      <a:pPr latinLnBrk="1"/>
+                      <a:r>
+                        <a:rPr lang="en-US" altLang="ko-KR" dirty="0"/>
+                        <a:t>Maximum</a:t>
+                      </a:r>
+                    </a:p>
+                    <a:p>
+                      <a:pPr latinLnBrk="1"/>
+                      <a:r>
+                        <a:rPr lang="en-US" altLang="ko-KR" dirty="0"/>
+                        <a:t>Lateral acc</a:t>
+                      </a:r>
+                      <a:endParaRPr lang="ko-KR" altLang="en-US" dirty="0"/>
+                    </a:p>
+                  </a:txBody>
+                  <a:tcPr/>
+                </a:tc>
+                <a:tc>
+                  <a:txBody>
+                    <a:bodyPr/>
+                    <a:lstStyle/>
+                    <a:p>
+                      <a:pPr latinLnBrk="1"/>
+                      <a:r>
+                        <a:rPr lang="en-US" altLang="ko-KR" dirty="0"/>
+                        <a:t>Total reward</a:t>
+                      </a:r>
+                      <a:endParaRPr lang="ko-KR" altLang="en-US" dirty="0"/>
+                    </a:p>
+                  </a:txBody>
+                  <a:tcPr/>
+                </a:tc>
+                <a:tc>
+                  <a:txBody>
+                    <a:bodyPr/>
+                    <a:lstStyle/>
+                    <a:p>
+                      <a:pPr latinLnBrk="1"/>
+                      <a:endParaRPr lang="ko-KR" altLang="en-US" dirty="0"/>
+                    </a:p>
+                  </a:txBody>
+                  <a:tcPr/>
+                </a:tc>
+                <a:extLst>
+                  <a:ext uri="{0D108BD9-81ED-4DB2-BD59-A6C34878D82A}">
+                    <a16:rowId xmlns:a16="http://schemas.microsoft.com/office/drawing/2014/main" val="920201765"/>
+                  </a:ext>
+                </a:extLst>
+              </a:tr>
+              <a:tr h="764567">
+                <a:tc>
+                  <a:txBody>
+                    <a:bodyPr/>
+                    <a:lstStyle/>
+                    <a:p>
+                      <a:pPr latinLnBrk="1"/>
+                      <a:r>
+                        <a:rPr lang="en-US" altLang="ko-KR" dirty="0" err="1"/>
+                        <a:t>Ipg</a:t>
+                      </a:r>
+                      <a:endParaRPr lang="ko-KR" altLang="en-US" dirty="0"/>
+                    </a:p>
+                  </a:txBody>
+                  <a:tcPr/>
+                </a:tc>
+                <a:tc>
+                  <a:txBody>
+                    <a:bodyPr/>
+                    <a:lstStyle/>
+                    <a:p>
+                      <a:pPr latinLnBrk="1"/>
+                      <a:r>
+                        <a:rPr lang="en-US" altLang="ko-KR" dirty="0"/>
+                        <a:t>85.60</a:t>
+                      </a:r>
+                      <a:endParaRPr lang="ko-KR" altLang="en-US" dirty="0"/>
+                    </a:p>
+                  </a:txBody>
+                  <a:tcPr/>
+                </a:tc>
+                <a:tc>
+                  <a:txBody>
+                    <a:bodyPr/>
+                    <a:lstStyle/>
+                    <a:p>
+                      <a:pPr latinLnBrk="1"/>
+                      <a:r>
+                        <a:rPr lang="en-US" altLang="ko-KR" dirty="0"/>
+                        <a:t>0.03243</a:t>
+                      </a:r>
+                      <a:endParaRPr lang="ko-KR" altLang="en-US" dirty="0"/>
+                    </a:p>
+                  </a:txBody>
+                  <a:tcPr/>
+                </a:tc>
+                <a:tc>
+                  <a:txBody>
+                    <a:bodyPr/>
+                    <a:lstStyle/>
+                    <a:p>
+                      <a:pPr latinLnBrk="1"/>
+                      <a:r>
+                        <a:rPr lang="en-US" altLang="ko-KR" dirty="0"/>
+                        <a:t>0.039933</a:t>
+                      </a:r>
+                      <a:endParaRPr lang="ko-KR" altLang="en-US" dirty="0"/>
+                    </a:p>
+                  </a:txBody>
+                  <a:tcPr/>
+                </a:tc>
+                <a:tc>
+                  <a:txBody>
+                    <a:bodyPr/>
+                    <a:lstStyle/>
+                    <a:p>
+                      <a:pPr latinLnBrk="1"/>
+                      <a:r>
+                        <a:rPr lang="en-US" altLang="ko-KR" dirty="0"/>
+                        <a:t>0.104414</a:t>
+                      </a:r>
+                      <a:endParaRPr lang="ko-KR" altLang="en-US" dirty="0"/>
+                    </a:p>
+                  </a:txBody>
+                  <a:tcPr/>
+                </a:tc>
+                <a:tc>
+                  <a:txBody>
+                    <a:bodyPr/>
+                    <a:lstStyle/>
+                    <a:p>
+                      <a:pPr latinLnBrk="1"/>
+                      <a:r>
+                        <a:rPr lang="en-US" altLang="ko-KR" dirty="0"/>
+                        <a:t>-5.6e+06</a:t>
+                      </a:r>
+                      <a:endParaRPr lang="ko-KR" altLang="en-US" dirty="0"/>
+                    </a:p>
+                  </a:txBody>
+                  <a:tcPr/>
+                </a:tc>
+                <a:tc>
+                  <a:txBody>
+                    <a:bodyPr/>
+                    <a:lstStyle/>
+                    <a:p>
+                      <a:pPr latinLnBrk="1"/>
+                      <a:endParaRPr lang="ko-KR" altLang="en-US" dirty="0"/>
+                    </a:p>
+                  </a:txBody>
+                  <a:tcPr/>
+                </a:tc>
+                <a:extLst>
+                  <a:ext uri="{0D108BD9-81ED-4DB2-BD59-A6C34878D82A}">
+                    <a16:rowId xmlns:a16="http://schemas.microsoft.com/office/drawing/2014/main" val="331592735"/>
+                  </a:ext>
+                </a:extLst>
+              </a:tr>
+              <a:tr h="764567">
+                <a:tc>
+                  <a:txBody>
+                    <a:bodyPr/>
+                    <a:lstStyle/>
+                    <a:p>
+                      <a:pPr latinLnBrk="1"/>
+                      <a:r>
+                        <a:rPr lang="en-US" altLang="ko-KR" dirty="0"/>
+                        <a:t>RL</a:t>
+                      </a:r>
+                      <a:endParaRPr lang="ko-KR" altLang="en-US" dirty="0"/>
+                    </a:p>
+                  </a:txBody>
+                  <a:tcPr/>
+                </a:tc>
+                <a:tc>
+                  <a:txBody>
+                    <a:bodyPr/>
+                    <a:lstStyle/>
+                    <a:p>
+                      <a:pPr latinLnBrk="1"/>
+                      <a:r>
+                        <a:rPr lang="en-US" altLang="ko-KR" dirty="0"/>
+                        <a:t>84.32</a:t>
+                      </a:r>
+                      <a:endParaRPr lang="ko-KR" altLang="en-US" dirty="0"/>
+                    </a:p>
+                  </a:txBody>
+                  <a:tcPr/>
+                </a:tc>
+                <a:tc>
+                  <a:txBody>
+                    <a:bodyPr/>
+                    <a:lstStyle/>
+                    <a:p>
+                      <a:pPr latinLnBrk="1"/>
+                      <a:r>
+                        <a:rPr lang="en-US" altLang="ko-KR" dirty="0"/>
+                        <a:t>0.199780</a:t>
+                      </a:r>
+                      <a:endParaRPr lang="ko-KR" altLang="en-US" dirty="0"/>
+                    </a:p>
+                  </a:txBody>
+                  <a:tcPr/>
+                </a:tc>
+                <a:tc>
+                  <a:txBody>
+                    <a:bodyPr/>
+                    <a:lstStyle/>
+                    <a:p>
+                      <a:pPr latinLnBrk="1"/>
+                      <a:r>
+                        <a:rPr lang="en-US" altLang="ko-KR" dirty="0"/>
+                        <a:t>0.058063</a:t>
+                      </a:r>
+                      <a:endParaRPr lang="ko-KR" altLang="en-US" dirty="0"/>
+                    </a:p>
+                  </a:txBody>
+                  <a:tcPr/>
+                </a:tc>
+                <a:tc>
+                  <a:txBody>
+                    <a:bodyPr/>
+                    <a:lstStyle/>
+                    <a:p>
+                      <a:pPr latinLnBrk="1"/>
+                      <a:r>
+                        <a:rPr lang="en-US" altLang="ko-KR" dirty="0"/>
+                        <a:t>0.121330</a:t>
+                      </a:r>
+                      <a:endParaRPr lang="ko-KR" altLang="en-US" dirty="0"/>
+                    </a:p>
+                  </a:txBody>
+                  <a:tcPr/>
+                </a:tc>
+                <a:tc>
+                  <a:txBody>
+                    <a:bodyPr/>
+                    <a:lstStyle/>
+                    <a:p>
+                      <a:pPr latinLnBrk="1"/>
+                      <a:r>
+                        <a:rPr lang="en-US" altLang="ko-KR" dirty="0"/>
+                        <a:t>-9.4e+06</a:t>
+                      </a:r>
+                      <a:endParaRPr lang="ko-KR" altLang="en-US" dirty="0"/>
+                    </a:p>
+                  </a:txBody>
+                  <a:tcPr/>
+                </a:tc>
+                <a:tc>
+                  <a:txBody>
+                    <a:bodyPr/>
+                    <a:lstStyle/>
+                    <a:p>
+                      <a:pPr latinLnBrk="1"/>
+                      <a:endParaRPr lang="ko-KR" altLang="en-US"/>
+                    </a:p>
+                  </a:txBody>
+                  <a:tcPr/>
+                </a:tc>
+                <a:extLst>
+                  <a:ext uri="{0D108BD9-81ED-4DB2-BD59-A6C34878D82A}">
+                    <a16:rowId xmlns:a16="http://schemas.microsoft.com/office/drawing/2014/main" val="998892819"/>
+                  </a:ext>
+                </a:extLst>
+              </a:tr>
+              <a:tr h="764567">
+                <a:tc>
+                  <a:txBody>
+                    <a:bodyPr/>
+                    <a:lstStyle/>
+                    <a:p>
+                      <a:pPr latinLnBrk="1"/>
+                      <a:r>
+                        <a:rPr lang="en-US" altLang="ko-KR" dirty="0" err="1"/>
+                        <a:t>Comparision</a:t>
+                      </a:r>
+                      <a:endParaRPr lang="ko-KR" altLang="en-US" dirty="0"/>
+                    </a:p>
+                  </a:txBody>
+                  <a:tcPr/>
+                </a:tc>
+                <a:tc>
+                  <a:txBody>
+                    <a:bodyPr/>
+                    <a:lstStyle/>
+                    <a:p>
+                      <a:pPr latinLnBrk="1"/>
+                      <a:r>
+                        <a:rPr lang="en-US" altLang="ko-KR" dirty="0"/>
+                        <a:t>-1.495327</a:t>
+                      </a:r>
+                      <a:endParaRPr lang="ko-KR" altLang="en-US" dirty="0"/>
+                    </a:p>
+                  </a:txBody>
+                  <a:tcPr/>
+                </a:tc>
+                <a:tc>
+                  <a:txBody>
+                    <a:bodyPr/>
+                    <a:lstStyle/>
+                    <a:p>
+                      <a:pPr latinLnBrk="1"/>
+                      <a:r>
+                        <a:rPr lang="en-US" altLang="ko-KR" dirty="0"/>
+                        <a:t>605.9639</a:t>
+                      </a:r>
+                      <a:endParaRPr lang="ko-KR" altLang="en-US" dirty="0"/>
+                    </a:p>
+                  </a:txBody>
+                  <a:tcPr/>
+                </a:tc>
+                <a:tc>
+                  <a:txBody>
+                    <a:bodyPr/>
+                    <a:lstStyle/>
+                    <a:p>
+                      <a:pPr latinLnBrk="1"/>
+                      <a:r>
+                        <a:rPr lang="en-US" altLang="ko-KR" dirty="0"/>
+                        <a:t>45.402694</a:t>
+                      </a:r>
+                      <a:endParaRPr lang="ko-KR" altLang="en-US" dirty="0"/>
+                    </a:p>
+                  </a:txBody>
+                  <a:tcPr/>
+                </a:tc>
+                <a:tc>
+                  <a:txBody>
+                    <a:bodyPr/>
+                    <a:lstStyle/>
+                    <a:p>
+                      <a:pPr latinLnBrk="1"/>
+                      <a:r>
+                        <a:rPr lang="en-US" altLang="ko-KR" dirty="0"/>
+                        <a:t>16.201446</a:t>
+                      </a:r>
+                      <a:endParaRPr lang="ko-KR" altLang="en-US" dirty="0"/>
+                    </a:p>
+                  </a:txBody>
+                  <a:tcPr/>
+                </a:tc>
+                <a:tc>
+                  <a:txBody>
+                    <a:bodyPr/>
+                    <a:lstStyle/>
+                    <a:p>
+                      <a:pPr latinLnBrk="1"/>
+                      <a:r>
+                        <a:rPr lang="en-US" altLang="ko-KR" dirty="0"/>
+                        <a:t>6.7967e+01</a:t>
+                      </a:r>
+                      <a:endParaRPr lang="ko-KR" altLang="en-US" dirty="0"/>
+                    </a:p>
+                  </a:txBody>
+                  <a:tcPr/>
+                </a:tc>
+                <a:tc>
+                  <a:txBody>
+                    <a:bodyPr/>
+                    <a:lstStyle/>
+                    <a:p>
+                      <a:pPr latinLnBrk="1"/>
+                      <a:endParaRPr lang="ko-KR" altLang="en-US" dirty="0"/>
+                    </a:p>
+                  </a:txBody>
+                  <a:tcPr/>
+                </a:tc>
+                <a:extLst>
+                  <a:ext uri="{0D108BD9-81ED-4DB2-BD59-A6C34878D82A}">
+                    <a16:rowId xmlns:a16="http://schemas.microsoft.com/office/drawing/2014/main" val="1576337110"/>
+                  </a:ext>
+                </a:extLst>
+              </a:tr>
+            </a:tbl>
+          </a:graphicData>
+        </a:graphic>
+      </p:graphicFrame>
+    </p:spTree>
+    <p:extLst>
+      <p:ext uri="{BB962C8B-B14F-4D97-AF65-F5344CB8AC3E}">
+        <p14:creationId xmlns:p14="http://schemas.microsoft.com/office/powerpoint/2010/main" val="3961858958"/>
+      </p:ext>
+    </p:extLst>
+  </p:cSld>
+  <p:clrMapOvr>
+    <a:masterClrMapping/>
+  </p:clrMapOvr>
+</p:sld>
+</file>
+
+<file path=ppt/slides/slide9.xml><?xml version="1.0" encoding="utf-8"?>
+<p:sld xmlns:a="http://schemas.openxmlformats.org/drawingml/2006/main" xmlns:r="http://schemas.openxmlformats.org/officeDocument/2006/relationships" xmlns:p="http://schemas.openxmlformats.org/presentationml/2006/main">
+  <p:cSld>
+    <p:spTree>
+      <p:nvGrpSpPr>
+        <p:cNvPr id="1" name=""/>
+        <p:cNvGrpSpPr/>
+        <p:nvPr/>
+      </p:nvGrpSpPr>
+      <p:grpSpPr>
+        <a:xfrm>
+          <a:off x="0" y="0"/>
+          <a:ext cx="0" cy="0"/>
+          <a:chOff x="0" y="0"/>
+          <a:chExt cx="0" cy="0"/>
+        </a:xfrm>
+      </p:grpSpPr>
+      <p:sp>
+        <p:nvSpPr>
+          <p:cNvPr id="2" name="제목 1">
+            <a:extLst>
+              <a:ext uri="{FF2B5EF4-FFF2-40B4-BE49-F238E27FC236}">
+                <a16:creationId xmlns:a16="http://schemas.microsoft.com/office/drawing/2014/main" id="{B5CF25EB-CE59-A2BD-9BB3-D827C0DB3731}"/>
+              </a:ext>
+            </a:extLst>
+          </p:cNvPr>
+          <p:cNvSpPr>
+            <a:spLocks noGrp="1"/>
+          </p:cNvSpPr>
+          <p:nvPr>
+            <p:ph type="title"/>
+          </p:nvPr>
+        </p:nvSpPr>
+        <p:spPr/>
+        <p:txBody>
+          <a:bodyPr/>
+          <a:lstStyle/>
+          <a:p>
+            <a:r>
+              <a:rPr lang="en-US" altLang="ko-KR" dirty="0" err="1"/>
+              <a:t>UTurn</a:t>
+            </a:r>
+            <a:endParaRPr lang="ko-KR" altLang="en-US" dirty="0"/>
+          </a:p>
+        </p:txBody>
+      </p:sp>
+      <p:pic>
+        <p:nvPicPr>
+          <p:cNvPr id="5" name="내용 개체 틀 4">
+            <a:extLst>
+              <a:ext uri="{FF2B5EF4-FFF2-40B4-BE49-F238E27FC236}">
+                <a16:creationId xmlns:a16="http://schemas.microsoft.com/office/drawing/2014/main" id="{AE96038C-BD5E-D7FA-444C-18BFB655852F}"/>
+              </a:ext>
+            </a:extLst>
+          </p:cNvPr>
+          <p:cNvPicPr>
+            <a:picLocks noGrp="1" noChangeAspect="1"/>
+          </p:cNvPicPr>
+          <p:nvPr>
+            <p:ph idx="1"/>
+          </p:nvPr>
+        </p:nvPicPr>
+        <p:blipFill>
+          <a:blip r:embed="rId2"/>
+          <a:stretch>
+            <a:fillRect/>
+          </a:stretch>
+        </p:blipFill>
+        <p:spPr>
+          <a:xfrm>
+            <a:off x="1998623" y="1825625"/>
+            <a:ext cx="8194753" cy="4351338"/>
+          </a:xfrm>
+        </p:spPr>
+      </p:pic>
+    </p:spTree>
+    <p:extLst>
+      <p:ext uri="{BB962C8B-B14F-4D97-AF65-F5344CB8AC3E}">
+        <p14:creationId xmlns:p14="http://schemas.microsoft.com/office/powerpoint/2010/main" val="1870048368"/>
+      </p:ext>
+    </p:extLst>
+  </p:cSld>
+  <p:clrMapOvr>
+    <a:masterClrMapping/>
+  </p:clrMapOvr>
+</p:sld>
+</file>
+
 <file path=ppt/theme/theme1.xml><?xml version="1.0" encoding="utf-8"?>
 <a:theme xmlns:a="http://schemas.openxmlformats.org/drawingml/2006/main" name="Office 테마">
   <a:themeElements>

--- a/1108Report/1108Report.pptx
+++ b/1108Report/1108Report.pptx
@@ -5,7 +5,7 @@
     <p:sldMasterId id="2147483648" r:id="rId1"/>
   </p:sldMasterIdLst>
   <p:handoutMasterIdLst>
-    <p:handoutMasterId r:id="rId12"/>
+    <p:handoutMasterId r:id="rId15"/>
   </p:handoutMasterIdLst>
   <p:sldIdLst>
     <p:sldId id="262" r:id="rId2"/>
@@ -18,6 +18,9 @@
     <p:sldId id="333" r:id="rId9"/>
     <p:sldId id="331" r:id="rId10"/>
     <p:sldId id="332" r:id="rId11"/>
+    <p:sldId id="335" r:id="rId12"/>
+    <p:sldId id="336" r:id="rId13"/>
+    <p:sldId id="337" r:id="rId14"/>
   </p:sldIdLst>
   <p:sldSz cx="12192000" cy="6858000"/>
   <p:notesSz cx="6858000" cy="9144000"/>
@@ -221,7 +224,7 @@
           <a:p>
             <a:fld id="{265A5232-C53E-4F47-9B1D-10DC02294D1A}" type="datetimeFigureOut">
               <a:rPr lang="en-US" smtClean="0"/>
-              <a:t>11/17/2023</a:t>
+              <a:t>11/20/2023</a:t>
             </a:fld>
             <a:endParaRPr lang="en-US"/>
           </a:p>
@@ -471,7 +474,7 @@
           <a:p>
             <a:fld id="{F0AD61EE-A626-44D1-8BBF-C441989EBD45}" type="datetimeFigureOut">
               <a:rPr lang="ko-KR" altLang="en-US" smtClean="0"/>
-              <a:t>2023-11-17</a:t>
+              <a:t>2023-11-20</a:t>
             </a:fld>
             <a:endParaRPr lang="ko-KR" altLang="en-US"/>
           </a:p>
@@ -669,7 +672,7 @@
           <a:p>
             <a:fld id="{F0AD61EE-A626-44D1-8BBF-C441989EBD45}" type="datetimeFigureOut">
               <a:rPr lang="ko-KR" altLang="en-US" smtClean="0"/>
-              <a:t>2023-11-17</a:t>
+              <a:t>2023-11-20</a:t>
             </a:fld>
             <a:endParaRPr lang="ko-KR" altLang="en-US"/>
           </a:p>
@@ -877,7 +880,7 @@
           <a:p>
             <a:fld id="{F0AD61EE-A626-44D1-8BBF-C441989EBD45}" type="datetimeFigureOut">
               <a:rPr lang="ko-KR" altLang="en-US" smtClean="0"/>
-              <a:t>2023-11-17</a:t>
+              <a:t>2023-11-20</a:t>
             </a:fld>
             <a:endParaRPr lang="ko-KR" altLang="en-US"/>
           </a:p>
@@ -1119,7 +1122,7 @@
           <a:p>
             <a:fld id="{F0AD61EE-A626-44D1-8BBF-C441989EBD45}" type="datetimeFigureOut">
               <a:rPr lang="ko-KR" altLang="en-US" smtClean="0"/>
-              <a:t>2023-11-17</a:t>
+              <a:t>2023-11-20</a:t>
             </a:fld>
             <a:endParaRPr lang="ko-KR" altLang="en-US"/>
           </a:p>
@@ -1435,7 +1438,7 @@
           <a:p>
             <a:fld id="{F0AD61EE-A626-44D1-8BBF-C441989EBD45}" type="datetimeFigureOut">
               <a:rPr lang="ko-KR" altLang="en-US" smtClean="0"/>
-              <a:t>2023-11-17</a:t>
+              <a:t>2023-11-20</a:t>
             </a:fld>
             <a:endParaRPr lang="ko-KR" altLang="en-US"/>
           </a:p>
@@ -1741,7 +1744,7 @@
           <a:p>
             <a:fld id="{F0AD61EE-A626-44D1-8BBF-C441989EBD45}" type="datetimeFigureOut">
               <a:rPr lang="ko-KR" altLang="en-US" smtClean="0"/>
-              <a:t>2023-11-17</a:t>
+              <a:t>2023-11-20</a:t>
             </a:fld>
             <a:endParaRPr lang="ko-KR" altLang="en-US"/>
           </a:p>
@@ -2153,7 +2156,7 @@
           <a:p>
             <a:fld id="{F0AD61EE-A626-44D1-8BBF-C441989EBD45}" type="datetimeFigureOut">
               <a:rPr lang="ko-KR" altLang="en-US" smtClean="0"/>
-              <a:t>2023-11-17</a:t>
+              <a:t>2023-11-20</a:t>
             </a:fld>
             <a:endParaRPr lang="ko-KR" altLang="en-US"/>
           </a:p>
@@ -2294,7 +2297,7 @@
           <a:p>
             <a:fld id="{F0AD61EE-A626-44D1-8BBF-C441989EBD45}" type="datetimeFigureOut">
               <a:rPr lang="ko-KR" altLang="en-US" smtClean="0"/>
-              <a:t>2023-11-17</a:t>
+              <a:t>2023-11-20</a:t>
             </a:fld>
             <a:endParaRPr lang="ko-KR" altLang="en-US"/>
           </a:p>
@@ -2407,7 +2410,7 @@
           <a:p>
             <a:fld id="{F0AD61EE-A626-44D1-8BBF-C441989EBD45}" type="datetimeFigureOut">
               <a:rPr lang="ko-KR" altLang="en-US" smtClean="0"/>
-              <a:t>2023-11-17</a:t>
+              <a:t>2023-11-20</a:t>
             </a:fld>
             <a:endParaRPr lang="ko-KR" altLang="en-US"/>
           </a:p>
@@ -2718,7 +2721,7 @@
           <a:p>
             <a:fld id="{F0AD61EE-A626-44D1-8BBF-C441989EBD45}" type="datetimeFigureOut">
               <a:rPr lang="ko-KR" altLang="en-US" smtClean="0"/>
-              <a:t>2023-11-17</a:t>
+              <a:t>2023-11-20</a:t>
             </a:fld>
             <a:endParaRPr lang="ko-KR" altLang="en-US"/>
           </a:p>
@@ -3006,7 +3009,7 @@
           <a:p>
             <a:fld id="{F0AD61EE-A626-44D1-8BBF-C441989EBD45}" type="datetimeFigureOut">
               <a:rPr lang="ko-KR" altLang="en-US" smtClean="0"/>
-              <a:t>2023-11-17</a:t>
+              <a:t>2023-11-20</a:t>
             </a:fld>
             <a:endParaRPr lang="ko-KR" altLang="en-US"/>
           </a:p>
@@ -3247,7 +3250,7 @@
           <a:p>
             <a:fld id="{F0AD61EE-A626-44D1-8BBF-C441989EBD45}" type="datetimeFigureOut">
               <a:rPr lang="ko-KR" altLang="en-US" smtClean="0"/>
-              <a:t>2023-11-17</a:t>
+              <a:t>2023-11-20</a:t>
             </a:fld>
             <a:endParaRPr lang="ko-KR" altLang="en-US"/>
           </a:p>
@@ -3852,6 +3855,361 @@
         <p14:creationId xmlns:p14="http://schemas.microsoft.com/office/powerpoint/2010/main" val="1131221384"/>
       </p:ext>
     </p:extLst>
+  </p:cSld>
+  <p:clrMapOvr>
+    <a:masterClrMapping/>
+  </p:clrMapOvr>
+</p:sld>
+</file>
+
+<file path=ppt/slides/slide11.xml><?xml version="1.0" encoding="utf-8"?>
+<p:sld xmlns:a="http://schemas.openxmlformats.org/drawingml/2006/main" xmlns:r="http://schemas.openxmlformats.org/officeDocument/2006/relationships" xmlns:p="http://schemas.openxmlformats.org/presentationml/2006/main">
+  <p:cSld>
+    <p:spTree>
+      <p:nvGrpSpPr>
+        <p:cNvPr id="1" name=""/>
+        <p:cNvGrpSpPr/>
+        <p:nvPr/>
+      </p:nvGrpSpPr>
+      <p:grpSpPr>
+        <a:xfrm>
+          <a:off x="0" y="0"/>
+          <a:ext cx="0" cy="0"/>
+          <a:chOff x="0" y="0"/>
+          <a:chExt cx="0" cy="0"/>
+        </a:xfrm>
+      </p:grpSpPr>
+      <p:sp>
+        <p:nvSpPr>
+          <p:cNvPr id="2" name="제목 1"/>
+          <p:cNvSpPr>
+            <a:spLocks noGrp="1"/>
+          </p:cNvSpPr>
+          <p:nvPr>
+            <p:ph type="title"/>
+          </p:nvPr>
+        </p:nvSpPr>
+        <p:spPr/>
+        <p:txBody>
+          <a:bodyPr/>
+          <a:lstStyle/>
+          <a:p>
+            <a:r>
+              <a:rPr lang="en-US" altLang="ko-KR" dirty="0"/>
+              <a:t>SLALOM - RWS</a:t>
+            </a:r>
+            <a:endParaRPr lang="ko-KR" altLang="en-US" dirty="0"/>
+          </a:p>
+        </p:txBody>
+      </p:sp>
+      <p:pic>
+        <p:nvPicPr>
+          <p:cNvPr id="5" name="그림 4"/>
+          <p:cNvPicPr>
+            <a:picLocks noChangeAspect="1"/>
+          </p:cNvPicPr>
+          <p:nvPr/>
+        </p:nvPicPr>
+        <p:blipFill>
+          <a:blip r:embed="rId2"/>
+          <a:stretch>
+            <a:fillRect/>
+          </a:stretch>
+        </p:blipFill>
+        <p:spPr>
+          <a:xfrm>
+            <a:off x="203965" y="2981262"/>
+            <a:ext cx="11784070" cy="895475"/>
+          </a:xfrm>
+          <a:prstGeom prst="rect">
+            <a:avLst/>
+          </a:prstGeom>
+        </p:spPr>
+      </p:pic>
+      <p:sp>
+        <p:nvSpPr>
+          <p:cNvPr id="6" name="내용 개체 틀 5"/>
+          <p:cNvSpPr>
+            <a:spLocks noGrp="1"/>
+          </p:cNvSpPr>
+          <p:nvPr>
+            <p:ph idx="1"/>
+          </p:nvPr>
+        </p:nvSpPr>
+        <p:spPr/>
+        <p:txBody>
+          <a:bodyPr/>
+          <a:lstStyle/>
+          <a:p>
+            <a:r>
+              <a:rPr lang="en-US" altLang="ko-KR" dirty="0"/>
+              <a:t>IPG: </a:t>
+            </a:r>
+            <a:r>
+              <a:rPr lang="en-US" altLang="ko-KR" dirty="0" err="1"/>
+              <a:t>coner</a:t>
+            </a:r>
+            <a:r>
+              <a:rPr lang="en-US" altLang="ko-KR" dirty="0"/>
+              <a:t> cutting </a:t>
+            </a:r>
+            <a:r>
+              <a:rPr lang="en-US" altLang="ko-KR" dirty="0" err="1"/>
+              <a:t>coeff</a:t>
+            </a:r>
+            <a:r>
+              <a:rPr lang="en-US" altLang="ko-KR" dirty="0"/>
+              <a:t>. : 0.93</a:t>
+            </a:r>
+          </a:p>
+          <a:p>
+            <a:endParaRPr lang="en-US" altLang="ko-KR" dirty="0"/>
+          </a:p>
+          <a:p>
+            <a:endParaRPr lang="en-US" altLang="ko-KR" dirty="0"/>
+          </a:p>
+          <a:p>
+            <a:endParaRPr lang="en-US" altLang="ko-KR" dirty="0"/>
+          </a:p>
+          <a:p>
+            <a:endParaRPr lang="en-US" altLang="ko-KR" dirty="0"/>
+          </a:p>
+          <a:p>
+            <a:endParaRPr lang="en-US" altLang="ko-KR" dirty="0"/>
+          </a:p>
+          <a:p>
+            <a:r>
+              <a:rPr lang="en-US" altLang="ko-KR" dirty="0"/>
+              <a:t>RL &gt; IPG </a:t>
+            </a:r>
+            <a:r>
+              <a:rPr lang="ko-KR" altLang="en-US" dirty="0"/>
+              <a:t>항목</a:t>
+            </a:r>
+            <a:endParaRPr lang="en-US" altLang="ko-KR" dirty="0"/>
+          </a:p>
+          <a:p>
+            <a:pPr lvl="1"/>
+            <a:r>
+              <a:rPr lang="en-US" altLang="ko-KR" dirty="0"/>
+              <a:t>Time, initial </a:t>
+            </a:r>
+            <a:r>
+              <a:rPr lang="en-US" altLang="ko-KR" dirty="0" err="1"/>
+              <a:t>carv</a:t>
+            </a:r>
+            <a:r>
+              <a:rPr lang="en-US" altLang="ko-KR" dirty="0"/>
+              <a:t>(</a:t>
+            </a:r>
+            <a:r>
+              <a:rPr lang="ko-KR" altLang="en-US" dirty="0" err="1"/>
+              <a:t>진입속도</a:t>
+            </a:r>
+            <a:r>
+              <a:rPr lang="ko-KR" altLang="en-US" dirty="0"/>
+              <a:t> </a:t>
+            </a:r>
+            <a:r>
+              <a:rPr lang="en-US" altLang="ko-KR" dirty="0"/>
+              <a:t>m/s), roll rate(</a:t>
+            </a:r>
+            <a:r>
+              <a:rPr lang="en-US" altLang="ko-KR" dirty="0" err="1"/>
+              <a:t>ipg</a:t>
+            </a:r>
+            <a:r>
+              <a:rPr lang="ko-KR" altLang="en-US" dirty="0"/>
+              <a:t>는 </a:t>
+            </a:r>
+            <a:r>
+              <a:rPr lang="en-US" altLang="ko-KR" dirty="0"/>
+              <a:t>100</a:t>
+            </a:r>
+            <a:r>
+              <a:rPr lang="ko-KR" altLang="en-US" dirty="0"/>
+              <a:t>배 해서 봐야함</a:t>
+            </a:r>
+            <a:r>
+              <a:rPr lang="en-US" altLang="ko-KR" dirty="0"/>
+              <a:t>)</a:t>
+            </a:r>
+            <a:endParaRPr lang="ko-KR" altLang="en-US" dirty="0"/>
+          </a:p>
+        </p:txBody>
+      </p:sp>
+    </p:spTree>
+  </p:cSld>
+  <p:clrMapOvr>
+    <a:masterClrMapping/>
+  </p:clrMapOvr>
+</p:sld>
+</file>
+
+<file path=ppt/slides/slide12.xml><?xml version="1.0" encoding="utf-8"?>
+<p:sld xmlns:a="http://schemas.openxmlformats.org/drawingml/2006/main" xmlns:r="http://schemas.openxmlformats.org/officeDocument/2006/relationships" xmlns:p="http://schemas.openxmlformats.org/presentationml/2006/main">
+  <p:cSld>
+    <p:spTree>
+      <p:nvGrpSpPr>
+        <p:cNvPr id="1" name=""/>
+        <p:cNvGrpSpPr/>
+        <p:nvPr/>
+      </p:nvGrpSpPr>
+      <p:grpSpPr>
+        <a:xfrm>
+          <a:off x="0" y="0"/>
+          <a:ext cx="0" cy="0"/>
+          <a:chOff x="0" y="0"/>
+          <a:chExt cx="0" cy="0"/>
+        </a:xfrm>
+      </p:grpSpPr>
+      <p:sp>
+        <p:nvSpPr>
+          <p:cNvPr id="2" name="제목 1"/>
+          <p:cNvSpPr>
+            <a:spLocks noGrp="1"/>
+          </p:cNvSpPr>
+          <p:nvPr>
+            <p:ph type="title"/>
+          </p:nvPr>
+        </p:nvSpPr>
+        <p:spPr/>
+        <p:txBody>
+          <a:bodyPr/>
+          <a:lstStyle/>
+          <a:p>
+            <a:r>
+              <a:rPr lang="en-US" altLang="ko-KR" dirty="0"/>
+              <a:t>SLALOM – IPG vs RL</a:t>
+            </a:r>
+            <a:endParaRPr lang="ko-KR" altLang="en-US" dirty="0"/>
+          </a:p>
+        </p:txBody>
+      </p:sp>
+      <p:pic>
+        <p:nvPicPr>
+          <p:cNvPr id="4" name="내용 개체 틀 3"/>
+          <p:cNvPicPr>
+            <a:picLocks noGrp="1" noChangeAspect="1"/>
+          </p:cNvPicPr>
+          <p:nvPr>
+            <p:ph idx="1"/>
+          </p:nvPr>
+        </p:nvPicPr>
+        <p:blipFill>
+          <a:blip r:embed="rId2"/>
+          <a:stretch>
+            <a:fillRect/>
+          </a:stretch>
+        </p:blipFill>
+        <p:spPr>
+          <a:xfrm>
+            <a:off x="2273245" y="1825625"/>
+            <a:ext cx="7645510" cy="4351338"/>
+          </a:xfrm>
+          <a:prstGeom prst="rect">
+            <a:avLst/>
+          </a:prstGeom>
+        </p:spPr>
+      </p:pic>
+    </p:spTree>
+  </p:cSld>
+  <p:clrMapOvr>
+    <a:masterClrMapping/>
+  </p:clrMapOvr>
+</p:sld>
+</file>
+
+<file path=ppt/slides/slide13.xml><?xml version="1.0" encoding="utf-8"?>
+<p:sld xmlns:a="http://schemas.openxmlformats.org/drawingml/2006/main" xmlns:r="http://schemas.openxmlformats.org/officeDocument/2006/relationships" xmlns:p="http://schemas.openxmlformats.org/presentationml/2006/main">
+  <p:cSld>
+    <p:spTree>
+      <p:nvGrpSpPr>
+        <p:cNvPr id="1" name=""/>
+        <p:cNvGrpSpPr/>
+        <p:nvPr/>
+      </p:nvGrpSpPr>
+      <p:grpSpPr>
+        <a:xfrm>
+          <a:off x="0" y="0"/>
+          <a:ext cx="0" cy="0"/>
+          <a:chOff x="0" y="0"/>
+          <a:chExt cx="0" cy="0"/>
+        </a:xfrm>
+      </p:grpSpPr>
+      <p:sp>
+        <p:nvSpPr>
+          <p:cNvPr id="2" name="제목 1"/>
+          <p:cNvSpPr>
+            <a:spLocks noGrp="1"/>
+          </p:cNvSpPr>
+          <p:nvPr>
+            <p:ph type="title"/>
+          </p:nvPr>
+        </p:nvSpPr>
+        <p:spPr/>
+        <p:txBody>
+          <a:bodyPr/>
+          <a:lstStyle/>
+          <a:p>
+            <a:r>
+              <a:rPr lang="ko-KR" altLang="en-US" dirty="0"/>
+              <a:t>학습</a:t>
+            </a:r>
+          </a:p>
+        </p:txBody>
+      </p:sp>
+      <p:pic>
+        <p:nvPicPr>
+          <p:cNvPr id="4" name="내용 개체 틀 3"/>
+          <p:cNvPicPr>
+            <a:picLocks noGrp="1" noChangeAspect="1"/>
+          </p:cNvPicPr>
+          <p:nvPr>
+            <p:ph idx="1"/>
+          </p:nvPr>
+        </p:nvPicPr>
+        <p:blipFill>
+          <a:blip r:embed="rId2"/>
+          <a:stretch>
+            <a:fillRect/>
+          </a:stretch>
+        </p:blipFill>
+        <p:spPr>
+          <a:xfrm>
+            <a:off x="5878281" y="1690688"/>
+            <a:ext cx="4668728" cy="2039793"/>
+          </a:xfrm>
+          <a:prstGeom prst="rect">
+            <a:avLst/>
+          </a:prstGeom>
+        </p:spPr>
+      </p:pic>
+      <p:pic>
+        <p:nvPicPr>
+          <p:cNvPr id="5" name="그림 4"/>
+          <p:cNvPicPr>
+            <a:picLocks noChangeAspect="1"/>
+          </p:cNvPicPr>
+          <p:nvPr/>
+        </p:nvPicPr>
+        <p:blipFill>
+          <a:blip r:embed="rId3"/>
+          <a:stretch>
+            <a:fillRect/>
+          </a:stretch>
+        </p:blipFill>
+        <p:spPr>
+          <a:xfrm>
+            <a:off x="293972" y="3730481"/>
+            <a:ext cx="6369806" cy="2846773"/>
+          </a:xfrm>
+          <a:prstGeom prst="rect">
+            <a:avLst/>
+          </a:prstGeom>
+        </p:spPr>
+      </p:pic>
+    </p:spTree>
   </p:cSld>
   <p:clrMapOvr>
     <a:masterClrMapping/>
